--- a/design.pptx
+++ b/design.pptx
@@ -308,7 +308,7 @@
             <a:fld id="{B431DB3D-C2BB-4DBE-9C63-7A3084D9948D}" type="datetimeFigureOut">
               <a:rPr lang="ko-KR" altLang="en-US" smtClean="0"/>
               <a:pPr/>
-              <a:t>2021-03-07</a:t>
+              <a:t>2021-03-14</a:t>
             </a:fld>
             <a:endParaRPr lang="ko-KR" altLang="en-US"/>
           </a:p>
@@ -473,7 +473,7 @@
             <a:fld id="{B431DB3D-C2BB-4DBE-9C63-7A3084D9948D}" type="datetimeFigureOut">
               <a:rPr lang="ko-KR" altLang="en-US" smtClean="0"/>
               <a:pPr/>
-              <a:t>2021-03-07</a:t>
+              <a:t>2021-03-14</a:t>
             </a:fld>
             <a:endParaRPr lang="ko-KR" altLang="en-US"/>
           </a:p>
@@ -648,7 +648,7 @@
             <a:fld id="{B431DB3D-C2BB-4DBE-9C63-7A3084D9948D}" type="datetimeFigureOut">
               <a:rPr lang="ko-KR" altLang="en-US" smtClean="0"/>
               <a:pPr/>
-              <a:t>2021-03-07</a:t>
+              <a:t>2021-03-14</a:t>
             </a:fld>
             <a:endParaRPr lang="ko-KR" altLang="en-US"/>
           </a:p>
@@ -813,7 +813,7 @@
             <a:fld id="{B431DB3D-C2BB-4DBE-9C63-7A3084D9948D}" type="datetimeFigureOut">
               <a:rPr lang="ko-KR" altLang="en-US" smtClean="0"/>
               <a:pPr/>
-              <a:t>2021-03-07</a:t>
+              <a:t>2021-03-14</a:t>
             </a:fld>
             <a:endParaRPr lang="ko-KR" altLang="en-US"/>
           </a:p>
@@ -1055,7 +1055,7 @@
             <a:fld id="{B431DB3D-C2BB-4DBE-9C63-7A3084D9948D}" type="datetimeFigureOut">
               <a:rPr lang="ko-KR" altLang="en-US" smtClean="0"/>
               <a:pPr/>
-              <a:t>2021-03-07</a:t>
+              <a:t>2021-03-14</a:t>
             </a:fld>
             <a:endParaRPr lang="ko-KR" altLang="en-US"/>
           </a:p>
@@ -1337,7 +1337,7 @@
             <a:fld id="{B431DB3D-C2BB-4DBE-9C63-7A3084D9948D}" type="datetimeFigureOut">
               <a:rPr lang="ko-KR" altLang="en-US" smtClean="0"/>
               <a:pPr/>
-              <a:t>2021-03-07</a:t>
+              <a:t>2021-03-14</a:t>
             </a:fld>
             <a:endParaRPr lang="ko-KR" altLang="en-US"/>
           </a:p>
@@ -1758,7 +1758,7 @@
             <a:fld id="{B431DB3D-C2BB-4DBE-9C63-7A3084D9948D}" type="datetimeFigureOut">
               <a:rPr lang="ko-KR" altLang="en-US" smtClean="0"/>
               <a:pPr/>
-              <a:t>2021-03-07</a:t>
+              <a:t>2021-03-14</a:t>
             </a:fld>
             <a:endParaRPr lang="ko-KR" altLang="en-US"/>
           </a:p>
@@ -1872,7 +1872,7 @@
             <a:fld id="{B431DB3D-C2BB-4DBE-9C63-7A3084D9948D}" type="datetimeFigureOut">
               <a:rPr lang="ko-KR" altLang="en-US" smtClean="0"/>
               <a:pPr/>
-              <a:t>2021-03-07</a:t>
+              <a:t>2021-03-14</a:t>
             </a:fld>
             <a:endParaRPr lang="ko-KR" altLang="en-US"/>
           </a:p>
@@ -1964,7 +1964,7 @@
             <a:fld id="{B431DB3D-C2BB-4DBE-9C63-7A3084D9948D}" type="datetimeFigureOut">
               <a:rPr lang="ko-KR" altLang="en-US" smtClean="0"/>
               <a:pPr/>
-              <a:t>2021-03-07</a:t>
+              <a:t>2021-03-14</a:t>
             </a:fld>
             <a:endParaRPr lang="ko-KR" altLang="en-US"/>
           </a:p>
@@ -2236,7 +2236,7 @@
             <a:fld id="{B431DB3D-C2BB-4DBE-9C63-7A3084D9948D}" type="datetimeFigureOut">
               <a:rPr lang="ko-KR" altLang="en-US" smtClean="0"/>
               <a:pPr/>
-              <a:t>2021-03-07</a:t>
+              <a:t>2021-03-14</a:t>
             </a:fld>
             <a:endParaRPr lang="ko-KR" altLang="en-US"/>
           </a:p>
@@ -2485,7 +2485,7 @@
             <a:fld id="{B431DB3D-C2BB-4DBE-9C63-7A3084D9948D}" type="datetimeFigureOut">
               <a:rPr lang="ko-KR" altLang="en-US" smtClean="0"/>
               <a:pPr/>
-              <a:t>2021-03-07</a:t>
+              <a:t>2021-03-14</a:t>
             </a:fld>
             <a:endParaRPr lang="ko-KR" altLang="en-US"/>
           </a:p>
@@ -2693,7 +2693,7 @@
             <a:fld id="{B431DB3D-C2BB-4DBE-9C63-7A3084D9948D}" type="datetimeFigureOut">
               <a:rPr lang="ko-KR" altLang="en-US" smtClean="0"/>
               <a:pPr/>
-              <a:t>2021-03-07</a:t>
+              <a:t>2021-03-14</a:t>
             </a:fld>
             <a:endParaRPr lang="ko-KR" altLang="en-US"/>
           </a:p>
@@ -15583,6 +15583,107 @@
           </a:p>
         </p:txBody>
       </p:sp>
+      <p:sp>
+        <p:nvSpPr>
+          <p:cNvPr id="5" name="직사각형 4">
+            <a:extLst>
+              <a:ext uri="{FF2B5EF4-FFF2-40B4-BE49-F238E27FC236}">
+                <a16:creationId xmlns:a16="http://schemas.microsoft.com/office/drawing/2014/main" id="{72A2D315-A604-49B0-BF3C-9B6F12761308}"/>
+              </a:ext>
+            </a:extLst>
+          </p:cNvPr>
+          <p:cNvSpPr/>
+          <p:nvPr/>
+        </p:nvSpPr>
+        <p:spPr>
+          <a:xfrm>
+            <a:off x="3450668" y="360239"/>
+            <a:ext cx="504056" cy="504056"/>
+          </a:xfrm>
+          <a:prstGeom prst="rect">
+            <a:avLst/>
+          </a:prstGeom>
+          <a:solidFill>
+            <a:schemeClr val="accent5">
+              <a:lumMod val="20000"/>
+              <a:lumOff val="80000"/>
+              <a:alpha val="75000"/>
+            </a:schemeClr>
+          </a:solidFill>
+          <a:ln>
+            <a:noFill/>
+          </a:ln>
+          <a:scene3d>
+            <a:camera prst="orthographicFront"/>
+            <a:lightRig rig="threePt" dir="t"/>
+          </a:scene3d>
+          <a:sp3d>
+            <a:bevelT prst="relaxedInset"/>
+          </a:sp3d>
+        </p:spPr>
+        <p:style>
+          <a:lnRef idx="2">
+            <a:schemeClr val="accent1">
+              <a:shade val="50000"/>
+            </a:schemeClr>
+          </a:lnRef>
+          <a:fillRef idx="1">
+            <a:schemeClr val="accent1"/>
+          </a:fillRef>
+          <a:effectRef idx="0">
+            <a:schemeClr val="accent1"/>
+          </a:effectRef>
+          <a:fontRef idx="minor">
+            <a:schemeClr val="lt1"/>
+          </a:fontRef>
+        </p:style>
+        <p:txBody>
+          <a:bodyPr rtlCol="0" anchor="ctr"/>
+          <a:lstStyle/>
+          <a:p>
+            <a:pPr algn="ctr"/>
+            <a:r>
+              <a:rPr lang="ko-KR" altLang="en-US" b="1">
+                <a:ln w="6600">
+                  <a:solidFill>
+                    <a:schemeClr val="accent2"/>
+                  </a:solidFill>
+                  <a:prstDash val="solid"/>
+                </a:ln>
+                <a:solidFill>
+                  <a:srgbClr val="FFFFFF"/>
+                </a:solidFill>
+                <a:effectLst>
+                  <a:outerShdw dist="38100" dir="2700000" algn="tl" rotWithShape="0">
+                    <a:schemeClr val="accent2"/>
+                  </a:outerShdw>
+                </a:effectLst>
+                <a:latin typeface="1훈떡볶이 R" panose="02020603020101020101" pitchFamily="18" charset="-127"/>
+                <a:ea typeface="1훈떡볶이 R" panose="02020603020101020101" pitchFamily="18" charset="-127"/>
+              </a:rPr>
+              <a:t>순서 변경</a:t>
+            </a:r>
+            <a:endParaRPr lang="ko-KR" altLang="en-US" b="1" dirty="0">
+              <a:ln w="6600">
+                <a:solidFill>
+                  <a:schemeClr val="accent2"/>
+                </a:solidFill>
+                <a:prstDash val="solid"/>
+              </a:ln>
+              <a:solidFill>
+                <a:srgbClr val="FFFFFF"/>
+              </a:solidFill>
+              <a:effectLst>
+                <a:outerShdw dist="38100" dir="2700000" algn="tl" rotWithShape="0">
+                  <a:schemeClr val="accent2"/>
+                </a:outerShdw>
+              </a:effectLst>
+              <a:latin typeface="1훈떡볶이 R" panose="02020603020101020101" pitchFamily="18" charset="-127"/>
+              <a:ea typeface="1훈떡볶이 R" panose="02020603020101020101" pitchFamily="18" charset="-127"/>
+            </a:endParaRPr>
+          </a:p>
+        </p:txBody>
+      </p:sp>
     </p:spTree>
     <p:extLst>
       <p:ext uri="{BB962C8B-B14F-4D97-AF65-F5344CB8AC3E}">

--- a/design.pptx
+++ b/design.pptx
@@ -308,7 +308,7 @@
             <a:fld id="{B431DB3D-C2BB-4DBE-9C63-7A3084D9948D}" type="datetimeFigureOut">
               <a:rPr lang="ko-KR" altLang="en-US" smtClean="0"/>
               <a:pPr/>
-              <a:t>2021-03-14</a:t>
+              <a:t>2021-03-21</a:t>
             </a:fld>
             <a:endParaRPr lang="ko-KR" altLang="en-US"/>
           </a:p>
@@ -473,7 +473,7 @@
             <a:fld id="{B431DB3D-C2BB-4DBE-9C63-7A3084D9948D}" type="datetimeFigureOut">
               <a:rPr lang="ko-KR" altLang="en-US" smtClean="0"/>
               <a:pPr/>
-              <a:t>2021-03-14</a:t>
+              <a:t>2021-03-21</a:t>
             </a:fld>
             <a:endParaRPr lang="ko-KR" altLang="en-US"/>
           </a:p>
@@ -648,7 +648,7 @@
             <a:fld id="{B431DB3D-C2BB-4DBE-9C63-7A3084D9948D}" type="datetimeFigureOut">
               <a:rPr lang="ko-KR" altLang="en-US" smtClean="0"/>
               <a:pPr/>
-              <a:t>2021-03-14</a:t>
+              <a:t>2021-03-21</a:t>
             </a:fld>
             <a:endParaRPr lang="ko-KR" altLang="en-US"/>
           </a:p>
@@ -813,7 +813,7 @@
             <a:fld id="{B431DB3D-C2BB-4DBE-9C63-7A3084D9948D}" type="datetimeFigureOut">
               <a:rPr lang="ko-KR" altLang="en-US" smtClean="0"/>
               <a:pPr/>
-              <a:t>2021-03-14</a:t>
+              <a:t>2021-03-21</a:t>
             </a:fld>
             <a:endParaRPr lang="ko-KR" altLang="en-US"/>
           </a:p>
@@ -1055,7 +1055,7 @@
             <a:fld id="{B431DB3D-C2BB-4DBE-9C63-7A3084D9948D}" type="datetimeFigureOut">
               <a:rPr lang="ko-KR" altLang="en-US" smtClean="0"/>
               <a:pPr/>
-              <a:t>2021-03-14</a:t>
+              <a:t>2021-03-21</a:t>
             </a:fld>
             <a:endParaRPr lang="ko-KR" altLang="en-US"/>
           </a:p>
@@ -1337,7 +1337,7 @@
             <a:fld id="{B431DB3D-C2BB-4DBE-9C63-7A3084D9948D}" type="datetimeFigureOut">
               <a:rPr lang="ko-KR" altLang="en-US" smtClean="0"/>
               <a:pPr/>
-              <a:t>2021-03-14</a:t>
+              <a:t>2021-03-21</a:t>
             </a:fld>
             <a:endParaRPr lang="ko-KR" altLang="en-US"/>
           </a:p>
@@ -1758,7 +1758,7 @@
             <a:fld id="{B431DB3D-C2BB-4DBE-9C63-7A3084D9948D}" type="datetimeFigureOut">
               <a:rPr lang="ko-KR" altLang="en-US" smtClean="0"/>
               <a:pPr/>
-              <a:t>2021-03-14</a:t>
+              <a:t>2021-03-21</a:t>
             </a:fld>
             <a:endParaRPr lang="ko-KR" altLang="en-US"/>
           </a:p>
@@ -1872,7 +1872,7 @@
             <a:fld id="{B431DB3D-C2BB-4DBE-9C63-7A3084D9948D}" type="datetimeFigureOut">
               <a:rPr lang="ko-KR" altLang="en-US" smtClean="0"/>
               <a:pPr/>
-              <a:t>2021-03-14</a:t>
+              <a:t>2021-03-21</a:t>
             </a:fld>
             <a:endParaRPr lang="ko-KR" altLang="en-US"/>
           </a:p>
@@ -1964,7 +1964,7 @@
             <a:fld id="{B431DB3D-C2BB-4DBE-9C63-7A3084D9948D}" type="datetimeFigureOut">
               <a:rPr lang="ko-KR" altLang="en-US" smtClean="0"/>
               <a:pPr/>
-              <a:t>2021-03-14</a:t>
+              <a:t>2021-03-21</a:t>
             </a:fld>
             <a:endParaRPr lang="ko-KR" altLang="en-US"/>
           </a:p>
@@ -2236,7 +2236,7 @@
             <a:fld id="{B431DB3D-C2BB-4DBE-9C63-7A3084D9948D}" type="datetimeFigureOut">
               <a:rPr lang="ko-KR" altLang="en-US" smtClean="0"/>
               <a:pPr/>
-              <a:t>2021-03-14</a:t>
+              <a:t>2021-03-21</a:t>
             </a:fld>
             <a:endParaRPr lang="ko-KR" altLang="en-US"/>
           </a:p>
@@ -2485,7 +2485,7 @@
             <a:fld id="{B431DB3D-C2BB-4DBE-9C63-7A3084D9948D}" type="datetimeFigureOut">
               <a:rPr lang="ko-KR" altLang="en-US" smtClean="0"/>
               <a:pPr/>
-              <a:t>2021-03-14</a:t>
+              <a:t>2021-03-21</a:t>
             </a:fld>
             <a:endParaRPr lang="ko-KR" altLang="en-US"/>
           </a:p>
@@ -2693,7 +2693,7 @@
             <a:fld id="{B431DB3D-C2BB-4DBE-9C63-7A3084D9948D}" type="datetimeFigureOut">
               <a:rPr lang="ko-KR" altLang="en-US" smtClean="0"/>
               <a:pPr/>
-              <a:t>2021-03-14</a:t>
+              <a:t>2021-03-21</a:t>
             </a:fld>
             <a:endParaRPr lang="ko-KR" altLang="en-US"/>
           </a:p>
@@ -14762,7 +14762,7 @@
             <a:p>
               <a:pPr algn="ctr"/>
               <a:r>
-                <a:rPr lang="ko-KR" altLang="en-US" sz="2200" b="1" spc="300">
+                <a:rPr lang="ko-KR" altLang="en-US" sz="2200" b="1" spc="300" dirty="0">
                   <a:ln w="11430" cmpd="sng">
                     <a:solidFill>
                       <a:schemeClr val="accent1">
@@ -14798,40 +14798,6 @@
                 </a:rPr>
                 <a:t>한국어</a:t>
               </a:r>
-              <a:endParaRPr lang="ko-KR" altLang="en-US" sz="2200" b="1" spc="300" dirty="0">
-                <a:ln w="11430" cmpd="sng">
-                  <a:solidFill>
-                    <a:schemeClr val="accent1">
-                      <a:tint val="10000"/>
-                    </a:schemeClr>
-                  </a:solidFill>
-                  <a:prstDash val="solid"/>
-                  <a:miter lim="800000"/>
-                </a:ln>
-                <a:gradFill>
-                  <a:gsLst>
-                    <a:gs pos="10000">
-                      <a:schemeClr val="accent1">
-                        <a:tint val="83000"/>
-                        <a:shade val="100000"/>
-                        <a:satMod val="200000"/>
-                      </a:schemeClr>
-                    </a:gs>
-                    <a:gs pos="75000">
-                      <a:schemeClr val="accent1">
-                        <a:tint val="100000"/>
-                        <a:shade val="50000"/>
-                        <a:satMod val="150000"/>
-                      </a:schemeClr>
-                    </a:gs>
-                  </a:gsLst>
-                  <a:lin ang="5400000"/>
-                </a:gradFill>
-                <a:effectLst/>
-                <a:latin typeface="메이플스토리 OTF" panose="02000300000000000000" pitchFamily="50" charset="-127"/>
-                <a:ea typeface="메이플스토리 OTF" panose="02000300000000000000" pitchFamily="50" charset="-127"/>
-                <a:cs typeface="THE낙서" panose="02020503020101020101" pitchFamily="18" charset="-127"/>
-              </a:endParaRPr>
             </a:p>
           </p:txBody>
         </p:sp>
@@ -15171,10 +15137,10 @@
       </p:grpSpPr>
       <p:grpSp>
         <p:nvGrpSpPr>
-          <p:cNvPr id="2" name="그룹 1">
+          <p:cNvPr id="11" name="그룹 10">
             <a:extLst>
               <a:ext uri="{FF2B5EF4-FFF2-40B4-BE49-F238E27FC236}">
-                <a16:creationId xmlns:a16="http://schemas.microsoft.com/office/drawing/2014/main" id="{0F9E3187-EE0D-4A1F-BFBB-1F7519CE7718}"/>
+                <a16:creationId xmlns:a16="http://schemas.microsoft.com/office/drawing/2014/main" id="{668582CE-C66B-4EC4-8A91-53604C40A29E}"/>
               </a:ext>
             </a:extLst>
           </p:cNvPr>
@@ -15189,47 +15155,186 @@
             <a:chExt cx="5761237" cy="5761038"/>
           </a:xfrm>
         </p:grpSpPr>
-        <p:pic>
-          <p:nvPicPr>
-            <p:cNvPr id="3" name="그림 2">
+        <p:grpSp>
+          <p:nvGrpSpPr>
+            <p:cNvPr id="2" name="그룹 1">
               <a:extLst>
                 <a:ext uri="{FF2B5EF4-FFF2-40B4-BE49-F238E27FC236}">
-                  <a16:creationId xmlns:a16="http://schemas.microsoft.com/office/drawing/2014/main" id="{2AD66BF3-8667-4926-94F6-1F81338A8CE0}"/>
+                  <a16:creationId xmlns:a16="http://schemas.microsoft.com/office/drawing/2014/main" id="{0F9E3187-EE0D-4A1F-BFBB-1F7519CE7718}"/>
                 </a:ext>
               </a:extLst>
             </p:cNvPr>
-            <p:cNvPicPr>
-              <a:picLocks noChangeAspect="1"/>
-            </p:cNvPicPr>
+            <p:cNvGrpSpPr/>
             <p:nvPr/>
-          </p:nvPicPr>
-          <p:blipFill>
-            <a:blip r:embed="rId2" cstate="print">
-              <a:extLst>
-                <a:ext uri="{28A0092B-C50C-407E-A947-70E740481C1C}">
-                  <a14:useLocalDpi xmlns:a14="http://schemas.microsoft.com/office/drawing/2010/main" val="0"/>
-                </a:ext>
-              </a:extLst>
-            </a:blip>
-            <a:srcRect/>
-            <a:stretch/>
-          </p:blipFill>
-          <p:spPr>
+          </p:nvGrpSpPr>
+          <p:grpSpPr>
             <a:xfrm>
-              <a:off x="0" y="0"/>
-              <a:ext cx="5761038" cy="5761038"/>
+              <a:off x="-199" y="0"/>
+              <a:ext cx="5761237" cy="5761038"/>
+              <a:chOff x="-199" y="0"/>
+              <a:chExt cx="5761237" cy="5761038"/>
             </a:xfrm>
-            <a:prstGeom prst="rect">
-              <a:avLst/>
-            </a:prstGeom>
-          </p:spPr>
-        </p:pic>
+          </p:grpSpPr>
+          <p:pic>
+            <p:nvPicPr>
+              <p:cNvPr id="3" name="그림 2">
+                <a:extLst>
+                  <a:ext uri="{FF2B5EF4-FFF2-40B4-BE49-F238E27FC236}">
+                    <a16:creationId xmlns:a16="http://schemas.microsoft.com/office/drawing/2014/main" id="{2AD66BF3-8667-4926-94F6-1F81338A8CE0}"/>
+                  </a:ext>
+                </a:extLst>
+              </p:cNvPr>
+              <p:cNvPicPr>
+                <a:picLocks noChangeAspect="1"/>
+              </p:cNvPicPr>
+              <p:nvPr/>
+            </p:nvPicPr>
+            <p:blipFill>
+              <a:blip r:embed="rId2" cstate="print">
+                <a:extLst>
+                  <a:ext uri="{28A0092B-C50C-407E-A947-70E740481C1C}">
+                    <a14:useLocalDpi xmlns:a14="http://schemas.microsoft.com/office/drawing/2010/main" val="0"/>
+                  </a:ext>
+                </a:extLst>
+              </a:blip>
+              <a:srcRect/>
+              <a:stretch/>
+            </p:blipFill>
+            <p:spPr>
+              <a:xfrm>
+                <a:off x="0" y="0"/>
+                <a:ext cx="5761038" cy="5761038"/>
+              </a:xfrm>
+              <a:prstGeom prst="rect">
+                <a:avLst/>
+              </a:prstGeom>
+            </p:spPr>
+          </p:pic>
+          <p:sp>
+            <p:nvSpPr>
+              <p:cNvPr id="4" name="직사각형 3">
+                <a:extLst>
+                  <a:ext uri="{FF2B5EF4-FFF2-40B4-BE49-F238E27FC236}">
+                    <a16:creationId xmlns:a16="http://schemas.microsoft.com/office/drawing/2014/main" id="{61026E35-D982-42A4-AD16-74D5DCCCFC03}"/>
+                  </a:ext>
+                </a:extLst>
+              </p:cNvPr>
+              <p:cNvSpPr/>
+              <p:nvPr/>
+            </p:nvSpPr>
+            <p:spPr>
+              <a:xfrm>
+                <a:off x="-199" y="0"/>
+                <a:ext cx="5761038" cy="5761038"/>
+              </a:xfrm>
+              <a:prstGeom prst="rect">
+                <a:avLst/>
+              </a:prstGeom>
+              <a:solidFill>
+                <a:srgbClr val="00B0F0">
+                  <a:alpha val="60000"/>
+                </a:srgbClr>
+              </a:solidFill>
+              <a:ln>
+                <a:noFill/>
+              </a:ln>
+            </p:spPr>
+            <p:style>
+              <a:lnRef idx="2">
+                <a:schemeClr val="accent1">
+                  <a:shade val="50000"/>
+                </a:schemeClr>
+              </a:lnRef>
+              <a:fillRef idx="1">
+                <a:schemeClr val="accent1"/>
+              </a:fillRef>
+              <a:effectRef idx="0">
+                <a:schemeClr val="accent1"/>
+              </a:effectRef>
+              <a:fontRef idx="minor">
+                <a:schemeClr val="lt1"/>
+              </a:fontRef>
+            </p:style>
+            <p:txBody>
+              <a:bodyPr rtlCol="0" anchor="ctr"/>
+              <a:lstStyle/>
+              <a:p>
+                <a:pPr algn="ctr"/>
+                <a:endParaRPr lang="ko-KR" altLang="en-US" dirty="0"/>
+              </a:p>
+            </p:txBody>
+          </p:sp>
+          <p:sp>
+            <p:nvSpPr>
+              <p:cNvPr id="8" name="직사각형 7">
+                <a:extLst>
+                  <a:ext uri="{FF2B5EF4-FFF2-40B4-BE49-F238E27FC236}">
+                    <a16:creationId xmlns:a16="http://schemas.microsoft.com/office/drawing/2014/main" id="{A677AF50-1330-4904-AAA0-A747C6BDF15D}"/>
+                  </a:ext>
+                </a:extLst>
+              </p:cNvPr>
+              <p:cNvSpPr/>
+              <p:nvPr/>
+            </p:nvSpPr>
+            <p:spPr>
+              <a:xfrm>
+                <a:off x="144016" y="288231"/>
+                <a:ext cx="2664296" cy="720080"/>
+              </a:xfrm>
+              <a:prstGeom prst="rect">
+                <a:avLst/>
+              </a:prstGeom>
+              <a:noFill/>
+              <a:ln>
+                <a:noFill/>
+              </a:ln>
+            </p:spPr>
+            <p:style>
+              <a:lnRef idx="2">
+                <a:schemeClr val="accent1">
+                  <a:shade val="50000"/>
+                </a:schemeClr>
+              </a:lnRef>
+              <a:fillRef idx="1">
+                <a:schemeClr val="accent1"/>
+              </a:fillRef>
+              <a:effectRef idx="0">
+                <a:schemeClr val="accent1"/>
+              </a:effectRef>
+              <a:fontRef idx="minor">
+                <a:schemeClr val="lt1"/>
+              </a:fontRef>
+            </p:style>
+            <p:txBody>
+              <a:bodyPr rtlCol="0" anchor="ctr"/>
+              <a:lstStyle/>
+              <a:p>
+                <a:r>
+                  <a:rPr lang="ko-KR" altLang="en-US" sz="4000" b="1" dirty="0">
+                    <a:ln w="19050" cmpd="sng">
+                      <a:solidFill>
+                        <a:srgbClr val="00B050"/>
+                      </a:solidFill>
+                      <a:prstDash val="solid"/>
+                    </a:ln>
+                    <a:solidFill>
+                      <a:srgbClr val="F1EB7D"/>
+                    </a:solidFill>
+                    <a:latin typeface="메이플스토리 OTF" panose="02000300000000000000" pitchFamily="50" charset="-127"/>
+                    <a:ea typeface="메이플스토리 OTF" panose="02000300000000000000" pitchFamily="50" charset="-127"/>
+                  </a:rPr>
+                  <a:t>영어 듣기</a:t>
+                </a:r>
+              </a:p>
+            </p:txBody>
+          </p:sp>
+        </p:grpSp>
         <p:sp>
           <p:nvSpPr>
-            <p:cNvPr id="4" name="직사각형 3">
+            <p:cNvPr id="10" name="직사각형 9">
               <a:extLst>
                 <a:ext uri="{FF2B5EF4-FFF2-40B4-BE49-F238E27FC236}">
-                  <a16:creationId xmlns:a16="http://schemas.microsoft.com/office/drawing/2014/main" id="{61026E35-D982-42A4-AD16-74D5DCCCFC03}"/>
+                  <a16:creationId xmlns:a16="http://schemas.microsoft.com/office/drawing/2014/main" id="{745DD86E-F3BE-4E70-9E1F-CA98B2390355}"/>
                 </a:ext>
               </a:extLst>
             </p:cNvPr>
@@ -15238,35 +15343,26 @@
           </p:nvSpPr>
           <p:spPr>
             <a:xfrm>
-              <a:off x="-199" y="0"/>
-              <a:ext cx="5761038" cy="5761038"/>
+              <a:off x="4752727" y="1584375"/>
+              <a:ext cx="792088" cy="360040"/>
             </a:xfrm>
             <a:prstGeom prst="rect">
               <a:avLst/>
             </a:prstGeom>
-            <a:solidFill>
-              <a:srgbClr val="00B0F0">
-                <a:alpha val="60000"/>
-              </a:srgbClr>
-            </a:solidFill>
-            <a:ln>
-              <a:noFill/>
-            </a:ln>
+            <a:ln/>
           </p:spPr>
           <p:style>
             <a:lnRef idx="2">
-              <a:schemeClr val="accent1">
-                <a:shade val="50000"/>
-              </a:schemeClr>
+              <a:schemeClr val="accent3"/>
             </a:lnRef>
             <a:fillRef idx="1">
-              <a:schemeClr val="accent1"/>
+              <a:schemeClr val="lt1"/>
             </a:fillRef>
             <a:effectRef idx="0">
-              <a:schemeClr val="accent1"/>
+              <a:schemeClr val="accent3"/>
             </a:effectRef>
             <a:fontRef idx="minor">
-              <a:schemeClr val="lt1"/>
+              <a:schemeClr val="dk1"/>
             </a:fontRef>
           </p:style>
           <p:txBody>
@@ -15274,16 +15370,52 @@
             <a:lstStyle/>
             <a:p>
               <a:pPr algn="ctr"/>
-              <a:endParaRPr lang="ko-KR" altLang="en-US" dirty="0"/>
+              <a:r>
+                <a:rPr lang="ko-KR" altLang="en-US" sz="2200" b="1" spc="300" dirty="0">
+                  <a:ln w="11430" cmpd="sng">
+                    <a:solidFill>
+                      <a:schemeClr val="accent1">
+                        <a:tint val="10000"/>
+                      </a:schemeClr>
+                    </a:solidFill>
+                    <a:prstDash val="solid"/>
+                    <a:miter lim="800000"/>
+                  </a:ln>
+                  <a:gradFill>
+                    <a:gsLst>
+                      <a:gs pos="10000">
+                        <a:schemeClr val="accent1">
+                          <a:tint val="83000"/>
+                          <a:shade val="100000"/>
+                          <a:satMod val="200000"/>
+                        </a:schemeClr>
+                      </a:gs>
+                      <a:gs pos="75000">
+                        <a:schemeClr val="accent1">
+                          <a:tint val="100000"/>
+                          <a:shade val="50000"/>
+                          <a:satMod val="150000"/>
+                        </a:schemeClr>
+                      </a:gs>
+                    </a:gsLst>
+                    <a:lin ang="5400000"/>
+                  </a:gradFill>
+                  <a:effectLst/>
+                  <a:latin typeface="메이플스토리 OTF" panose="02000300000000000000" pitchFamily="50" charset="-127"/>
+                  <a:ea typeface="메이플스토리 OTF" panose="02000300000000000000" pitchFamily="50" charset="-127"/>
+                  <a:cs typeface="THE낙서" panose="02020503020101020101" pitchFamily="18" charset="-127"/>
+                </a:rPr>
+                <a:t>반복</a:t>
+              </a:r>
             </a:p>
           </p:txBody>
         </p:sp>
         <p:sp>
           <p:nvSpPr>
-            <p:cNvPr id="8" name="직사각형 7">
+            <p:cNvPr id="15" name="직사각형 14">
               <a:extLst>
                 <a:ext uri="{FF2B5EF4-FFF2-40B4-BE49-F238E27FC236}">
-                  <a16:creationId xmlns:a16="http://schemas.microsoft.com/office/drawing/2014/main" id="{A677AF50-1330-4904-AAA0-A747C6BDF15D}"/>
+                  <a16:creationId xmlns:a16="http://schemas.microsoft.com/office/drawing/2014/main" id="{19076AE0-6A6A-4E29-9469-EA552B96587B}"/>
                 </a:ext>
               </a:extLst>
             </p:cNvPr>
@@ -15292,53 +15424,298 @@
           </p:nvSpPr>
           <p:spPr>
             <a:xfrm>
-              <a:off x="144016" y="288231"/>
-              <a:ext cx="2664296" cy="720080"/>
+              <a:off x="4752727" y="2448471"/>
+              <a:ext cx="792088" cy="360040"/>
             </a:xfrm>
             <a:prstGeom prst="rect">
               <a:avLst/>
             </a:prstGeom>
-            <a:noFill/>
-            <a:ln>
-              <a:noFill/>
-            </a:ln>
+            <a:ln/>
           </p:spPr>
           <p:style>
             <a:lnRef idx="2">
-              <a:schemeClr val="accent1">
-                <a:shade val="50000"/>
-              </a:schemeClr>
+              <a:schemeClr val="accent3"/>
             </a:lnRef>
             <a:fillRef idx="1">
-              <a:schemeClr val="accent1"/>
+              <a:schemeClr val="lt1"/>
             </a:fillRef>
             <a:effectRef idx="0">
-              <a:schemeClr val="accent1"/>
+              <a:schemeClr val="accent3"/>
             </a:effectRef>
             <a:fontRef idx="minor">
-              <a:schemeClr val="lt1"/>
+              <a:schemeClr val="dk1"/>
             </a:fontRef>
           </p:style>
           <p:txBody>
             <a:bodyPr rtlCol="0" anchor="ctr"/>
             <a:lstStyle/>
             <a:p>
+              <a:pPr algn="ctr"/>
               <a:r>
-                <a:rPr lang="ko-KR" altLang="en-US" sz="4000" b="1" dirty="0">
-                  <a:ln w="19050" cmpd="sng">
+                <a:rPr lang="ko-KR" altLang="en-US" sz="2200" b="1" spc="300" dirty="0">
+                  <a:ln w="11430" cmpd="sng">
                     <a:solidFill>
-                      <a:srgbClr val="00B050"/>
+                      <a:schemeClr val="accent1">
+                        <a:tint val="10000"/>
+                      </a:schemeClr>
                     </a:solidFill>
                     <a:prstDash val="solid"/>
+                    <a:miter lim="800000"/>
                   </a:ln>
-                  <a:solidFill>
-                    <a:srgbClr val="F1EB7D"/>
-                  </a:solidFill>
+                  <a:gradFill>
+                    <a:gsLst>
+                      <a:gs pos="10000">
+                        <a:schemeClr val="accent1">
+                          <a:tint val="83000"/>
+                          <a:shade val="100000"/>
+                          <a:satMod val="200000"/>
+                        </a:schemeClr>
+                      </a:gs>
+                      <a:gs pos="75000">
+                        <a:schemeClr val="accent1">
+                          <a:tint val="100000"/>
+                          <a:shade val="50000"/>
+                          <a:satMod val="150000"/>
+                        </a:schemeClr>
+                      </a:gs>
+                    </a:gsLst>
+                    <a:lin ang="5400000"/>
+                  </a:gradFill>
                   <a:latin typeface="메이플스토리 OTF" panose="02000300000000000000" pitchFamily="50" charset="-127"/>
                   <a:ea typeface="메이플스토리 OTF" panose="02000300000000000000" pitchFamily="50" charset="-127"/>
+                  <a:cs typeface="THE낙서" panose="02020503020101020101" pitchFamily="18" charset="-127"/>
                 </a:rPr>
-                <a:t>영어 듣기</a:t>
+                <a:t>지연</a:t>
               </a:r>
+              <a:endParaRPr lang="ko-KR" altLang="en-US" sz="2200" b="1" spc="300" dirty="0">
+                <a:ln w="11430" cmpd="sng">
+                  <a:solidFill>
+                    <a:schemeClr val="accent1">
+                      <a:tint val="10000"/>
+                    </a:schemeClr>
+                  </a:solidFill>
+                  <a:prstDash val="solid"/>
+                  <a:miter lim="800000"/>
+                </a:ln>
+                <a:gradFill>
+                  <a:gsLst>
+                    <a:gs pos="10000">
+                      <a:schemeClr val="accent1">
+                        <a:tint val="83000"/>
+                        <a:shade val="100000"/>
+                        <a:satMod val="200000"/>
+                      </a:schemeClr>
+                    </a:gs>
+                    <a:gs pos="75000">
+                      <a:schemeClr val="accent1">
+                        <a:tint val="100000"/>
+                        <a:shade val="50000"/>
+                        <a:satMod val="150000"/>
+                      </a:schemeClr>
+                    </a:gs>
+                  </a:gsLst>
+                  <a:lin ang="5400000"/>
+                </a:gradFill>
+                <a:effectLst/>
+                <a:latin typeface="메이플스토리 OTF" panose="02000300000000000000" pitchFamily="50" charset="-127"/>
+                <a:ea typeface="메이플스토리 OTF" panose="02000300000000000000" pitchFamily="50" charset="-127"/>
+                <a:cs typeface="THE낙서" panose="02020503020101020101" pitchFamily="18" charset="-127"/>
+              </a:endParaRPr>
+            </a:p>
+          </p:txBody>
+        </p:sp>
+        <p:sp>
+          <p:nvSpPr>
+            <p:cNvPr id="17" name="직사각형 16">
+              <a:extLst>
+                <a:ext uri="{FF2B5EF4-FFF2-40B4-BE49-F238E27FC236}">
+                  <a16:creationId xmlns:a16="http://schemas.microsoft.com/office/drawing/2014/main" id="{18E3EECE-AC6A-4D53-9DF0-85C040AAEB40}"/>
+                </a:ext>
+              </a:extLst>
+            </p:cNvPr>
+            <p:cNvSpPr/>
+            <p:nvPr/>
+          </p:nvSpPr>
+          <p:spPr>
+            <a:xfrm>
+              <a:off x="4752727" y="3570245"/>
+              <a:ext cx="792088" cy="360040"/>
+            </a:xfrm>
+            <a:prstGeom prst="rect">
+              <a:avLst/>
+            </a:prstGeom>
+            <a:ln/>
+          </p:spPr>
+          <p:style>
+            <a:lnRef idx="2">
+              <a:schemeClr val="accent3"/>
+            </a:lnRef>
+            <a:fillRef idx="1">
+              <a:schemeClr val="lt1"/>
+            </a:fillRef>
+            <a:effectRef idx="0">
+              <a:schemeClr val="accent3"/>
+            </a:effectRef>
+            <a:fontRef idx="minor">
+              <a:schemeClr val="dk1"/>
+            </a:fontRef>
+          </p:style>
+          <p:txBody>
+            <a:bodyPr rtlCol="0" anchor="ctr"/>
+            <a:lstStyle/>
+            <a:p>
+              <a:pPr algn="ctr"/>
+              <a:r>
+                <a:rPr lang="ko-KR" altLang="en-US" sz="2200" b="1" spc="300" dirty="0">
+                  <a:ln w="11430" cmpd="sng">
+                    <a:solidFill>
+                      <a:schemeClr val="accent1">
+                        <a:tint val="10000"/>
+                      </a:schemeClr>
+                    </a:solidFill>
+                    <a:prstDash val="solid"/>
+                    <a:miter lim="800000"/>
+                  </a:ln>
+                  <a:gradFill>
+                    <a:gsLst>
+                      <a:gs pos="10000">
+                        <a:schemeClr val="accent1">
+                          <a:tint val="83000"/>
+                          <a:shade val="100000"/>
+                          <a:satMod val="200000"/>
+                        </a:schemeClr>
+                      </a:gs>
+                      <a:gs pos="75000">
+                        <a:schemeClr val="accent1">
+                          <a:tint val="100000"/>
+                          <a:shade val="50000"/>
+                          <a:satMod val="150000"/>
+                        </a:schemeClr>
+                      </a:gs>
+                    </a:gsLst>
+                    <a:lin ang="5400000"/>
+                  </a:gradFill>
+                  <a:effectLst/>
+                  <a:latin typeface="메이플스토리 OTF" panose="02000300000000000000" pitchFamily="50" charset="-127"/>
+                  <a:ea typeface="메이플스토리 OTF" panose="02000300000000000000" pitchFamily="50" charset="-127"/>
+                  <a:cs typeface="THE낙서" panose="02020503020101020101" pitchFamily="18" charset="-127"/>
+                </a:rPr>
+                <a:t>반복</a:t>
+              </a:r>
+            </a:p>
+          </p:txBody>
+        </p:sp>
+        <p:sp>
+          <p:nvSpPr>
+            <p:cNvPr id="19" name="직사각형 18">
+              <a:extLst>
+                <a:ext uri="{FF2B5EF4-FFF2-40B4-BE49-F238E27FC236}">
+                  <a16:creationId xmlns:a16="http://schemas.microsoft.com/office/drawing/2014/main" id="{A9D9450D-6605-48BB-B032-BC2ADB4C59FF}"/>
+                </a:ext>
+              </a:extLst>
+            </p:cNvPr>
+            <p:cNvSpPr/>
+            <p:nvPr/>
+          </p:nvSpPr>
+          <p:spPr>
+            <a:xfrm>
+              <a:off x="4752727" y="4434341"/>
+              <a:ext cx="792088" cy="360040"/>
+            </a:xfrm>
+            <a:prstGeom prst="rect">
+              <a:avLst/>
+            </a:prstGeom>
+            <a:ln/>
+          </p:spPr>
+          <p:style>
+            <a:lnRef idx="2">
+              <a:schemeClr val="accent3"/>
+            </a:lnRef>
+            <a:fillRef idx="1">
+              <a:schemeClr val="lt1"/>
+            </a:fillRef>
+            <a:effectRef idx="0">
+              <a:schemeClr val="accent3"/>
+            </a:effectRef>
+            <a:fontRef idx="minor">
+              <a:schemeClr val="dk1"/>
+            </a:fontRef>
+          </p:style>
+          <p:txBody>
+            <a:bodyPr rtlCol="0" anchor="ctr"/>
+            <a:lstStyle/>
+            <a:p>
+              <a:pPr algn="ctr"/>
+              <a:r>
+                <a:rPr lang="ko-KR" altLang="en-US" sz="2200" b="1" spc="300" dirty="0">
+                  <a:ln w="11430" cmpd="sng">
+                    <a:solidFill>
+                      <a:schemeClr val="accent1">
+                        <a:tint val="10000"/>
+                      </a:schemeClr>
+                    </a:solidFill>
+                    <a:prstDash val="solid"/>
+                    <a:miter lim="800000"/>
+                  </a:ln>
+                  <a:gradFill>
+                    <a:gsLst>
+                      <a:gs pos="10000">
+                        <a:schemeClr val="accent1">
+                          <a:tint val="83000"/>
+                          <a:shade val="100000"/>
+                          <a:satMod val="200000"/>
+                        </a:schemeClr>
+                      </a:gs>
+                      <a:gs pos="75000">
+                        <a:schemeClr val="accent1">
+                          <a:tint val="100000"/>
+                          <a:shade val="50000"/>
+                          <a:satMod val="150000"/>
+                        </a:schemeClr>
+                      </a:gs>
+                    </a:gsLst>
+                    <a:lin ang="5400000"/>
+                  </a:gradFill>
+                  <a:latin typeface="메이플스토리 OTF" panose="02000300000000000000" pitchFamily="50" charset="-127"/>
+                  <a:ea typeface="메이플스토리 OTF" panose="02000300000000000000" pitchFamily="50" charset="-127"/>
+                  <a:cs typeface="THE낙서" panose="02020503020101020101" pitchFamily="18" charset="-127"/>
+                </a:rPr>
+                <a:t>지연</a:t>
+              </a:r>
+              <a:endParaRPr lang="ko-KR" altLang="en-US" sz="2200" b="1" spc="300" dirty="0">
+                <a:ln w="11430" cmpd="sng">
+                  <a:solidFill>
+                    <a:schemeClr val="accent1">
+                      <a:tint val="10000"/>
+                    </a:schemeClr>
+                  </a:solidFill>
+                  <a:prstDash val="solid"/>
+                  <a:miter lim="800000"/>
+                </a:ln>
+                <a:gradFill>
+                  <a:gsLst>
+                    <a:gs pos="10000">
+                      <a:schemeClr val="accent1">
+                        <a:tint val="83000"/>
+                        <a:shade val="100000"/>
+                        <a:satMod val="200000"/>
+                      </a:schemeClr>
+                    </a:gs>
+                    <a:gs pos="75000">
+                      <a:schemeClr val="accent1">
+                        <a:tint val="100000"/>
+                        <a:shade val="50000"/>
+                        <a:satMod val="150000"/>
+                      </a:schemeClr>
+                    </a:gs>
+                  </a:gsLst>
+                  <a:lin ang="5400000"/>
+                </a:gradFill>
+                <a:effectLst/>
+                <a:latin typeface="메이플스토리 OTF" panose="02000300000000000000" pitchFamily="50" charset="-127"/>
+                <a:ea typeface="메이플스토리 OTF" panose="02000300000000000000" pitchFamily="50" charset="-127"/>
+                <a:cs typeface="THE낙서" panose="02020503020101020101" pitchFamily="18" charset="-127"/>
+              </a:endParaRPr>
             </a:p>
           </p:txBody>
         </p:sp>
@@ -15358,7 +15735,7 @@
         <p:spPr>
           <a:xfrm>
             <a:off x="358163" y="3491448"/>
-            <a:ext cx="5042636" cy="1800200"/>
+            <a:ext cx="4250548" cy="1800200"/>
           </a:xfrm>
           <a:prstGeom prst="rect">
             <a:avLst/>
@@ -15517,7 +15894,7 @@
         <p:spPr>
           <a:xfrm>
             <a:off x="358163" y="1512367"/>
-            <a:ext cx="5042636" cy="1800200"/>
+            <a:ext cx="4250548" cy="1800200"/>
           </a:xfrm>
           <a:prstGeom prst="rect">
             <a:avLst/>
@@ -15716,10 +16093,10 @@
       </p:grpSpPr>
       <p:grpSp>
         <p:nvGrpSpPr>
-          <p:cNvPr id="2" name="그룹 1">
+          <p:cNvPr id="5" name="그룹 4">
             <a:extLst>
               <a:ext uri="{FF2B5EF4-FFF2-40B4-BE49-F238E27FC236}">
-                <a16:creationId xmlns:a16="http://schemas.microsoft.com/office/drawing/2014/main" id="{C6C89AC7-CB1F-4AB1-A73E-9F5C759C8D0C}"/>
+                <a16:creationId xmlns:a16="http://schemas.microsoft.com/office/drawing/2014/main" id="{ACBCFFC7-3E15-4EEF-BCA8-DE0F25525E95}"/>
               </a:ext>
             </a:extLst>
           </p:cNvPr>
@@ -15734,47 +16111,186 @@
             <a:chExt cx="5761237" cy="5761038"/>
           </a:xfrm>
         </p:grpSpPr>
-        <p:pic>
-          <p:nvPicPr>
-            <p:cNvPr id="3" name="그림 2">
+        <p:grpSp>
+          <p:nvGrpSpPr>
+            <p:cNvPr id="2" name="그룹 1">
               <a:extLst>
                 <a:ext uri="{FF2B5EF4-FFF2-40B4-BE49-F238E27FC236}">
-                  <a16:creationId xmlns:a16="http://schemas.microsoft.com/office/drawing/2014/main" id="{2AD66BF3-8667-4926-94F6-1F81338A8CE0}"/>
+                  <a16:creationId xmlns:a16="http://schemas.microsoft.com/office/drawing/2014/main" id="{C6C89AC7-CB1F-4AB1-A73E-9F5C759C8D0C}"/>
                 </a:ext>
               </a:extLst>
             </p:cNvPr>
-            <p:cNvPicPr>
-              <a:picLocks noChangeAspect="1"/>
-            </p:cNvPicPr>
+            <p:cNvGrpSpPr/>
             <p:nvPr/>
-          </p:nvPicPr>
-          <p:blipFill>
-            <a:blip r:embed="rId2" cstate="print">
-              <a:extLst>
-                <a:ext uri="{28A0092B-C50C-407E-A947-70E740481C1C}">
-                  <a14:useLocalDpi xmlns:a14="http://schemas.microsoft.com/office/drawing/2010/main" val="0"/>
-                </a:ext>
-              </a:extLst>
-            </a:blip>
-            <a:srcRect/>
-            <a:stretch/>
-          </p:blipFill>
-          <p:spPr>
+          </p:nvGrpSpPr>
+          <p:grpSpPr>
             <a:xfrm>
-              <a:off x="0" y="0"/>
-              <a:ext cx="5761038" cy="5761038"/>
+              <a:off x="-199" y="0"/>
+              <a:ext cx="5761237" cy="5761038"/>
+              <a:chOff x="-199" y="0"/>
+              <a:chExt cx="5761237" cy="5761038"/>
             </a:xfrm>
-            <a:prstGeom prst="rect">
-              <a:avLst/>
-            </a:prstGeom>
-          </p:spPr>
-        </p:pic>
+          </p:grpSpPr>
+          <p:pic>
+            <p:nvPicPr>
+              <p:cNvPr id="3" name="그림 2">
+                <a:extLst>
+                  <a:ext uri="{FF2B5EF4-FFF2-40B4-BE49-F238E27FC236}">
+                    <a16:creationId xmlns:a16="http://schemas.microsoft.com/office/drawing/2014/main" id="{2AD66BF3-8667-4926-94F6-1F81338A8CE0}"/>
+                  </a:ext>
+                </a:extLst>
+              </p:cNvPr>
+              <p:cNvPicPr>
+                <a:picLocks noChangeAspect="1"/>
+              </p:cNvPicPr>
+              <p:nvPr/>
+            </p:nvPicPr>
+            <p:blipFill>
+              <a:blip r:embed="rId2" cstate="print">
+                <a:extLst>
+                  <a:ext uri="{28A0092B-C50C-407E-A947-70E740481C1C}">
+                    <a14:useLocalDpi xmlns:a14="http://schemas.microsoft.com/office/drawing/2010/main" val="0"/>
+                  </a:ext>
+                </a:extLst>
+              </a:blip>
+              <a:srcRect/>
+              <a:stretch/>
+            </p:blipFill>
+            <p:spPr>
+              <a:xfrm>
+                <a:off x="0" y="0"/>
+                <a:ext cx="5761038" cy="5761038"/>
+              </a:xfrm>
+              <a:prstGeom prst="rect">
+                <a:avLst/>
+              </a:prstGeom>
+            </p:spPr>
+          </p:pic>
+          <p:sp>
+            <p:nvSpPr>
+              <p:cNvPr id="4" name="직사각형 3">
+                <a:extLst>
+                  <a:ext uri="{FF2B5EF4-FFF2-40B4-BE49-F238E27FC236}">
+                    <a16:creationId xmlns:a16="http://schemas.microsoft.com/office/drawing/2014/main" id="{61026E35-D982-42A4-AD16-74D5DCCCFC03}"/>
+                  </a:ext>
+                </a:extLst>
+              </p:cNvPr>
+              <p:cNvSpPr/>
+              <p:nvPr/>
+            </p:nvSpPr>
+            <p:spPr>
+              <a:xfrm>
+                <a:off x="-199" y="0"/>
+                <a:ext cx="5761038" cy="5761038"/>
+              </a:xfrm>
+              <a:prstGeom prst="rect">
+                <a:avLst/>
+              </a:prstGeom>
+              <a:solidFill>
+                <a:srgbClr val="00B0F0">
+                  <a:alpha val="60000"/>
+                </a:srgbClr>
+              </a:solidFill>
+              <a:ln>
+                <a:noFill/>
+              </a:ln>
+            </p:spPr>
+            <p:style>
+              <a:lnRef idx="2">
+                <a:schemeClr val="accent1">
+                  <a:shade val="50000"/>
+                </a:schemeClr>
+              </a:lnRef>
+              <a:fillRef idx="1">
+                <a:schemeClr val="accent1"/>
+              </a:fillRef>
+              <a:effectRef idx="0">
+                <a:schemeClr val="accent1"/>
+              </a:effectRef>
+              <a:fontRef idx="minor">
+                <a:schemeClr val="lt1"/>
+              </a:fontRef>
+            </p:style>
+            <p:txBody>
+              <a:bodyPr rtlCol="0" anchor="ctr"/>
+              <a:lstStyle/>
+              <a:p>
+                <a:pPr algn="ctr"/>
+                <a:endParaRPr lang="ko-KR" altLang="en-US" dirty="0"/>
+              </a:p>
+            </p:txBody>
+          </p:sp>
+          <p:sp>
+            <p:nvSpPr>
+              <p:cNvPr id="8" name="직사각형 7">
+                <a:extLst>
+                  <a:ext uri="{FF2B5EF4-FFF2-40B4-BE49-F238E27FC236}">
+                    <a16:creationId xmlns:a16="http://schemas.microsoft.com/office/drawing/2014/main" id="{A677AF50-1330-4904-AAA0-A747C6BDF15D}"/>
+                  </a:ext>
+                </a:extLst>
+              </p:cNvPr>
+              <p:cNvSpPr/>
+              <p:nvPr/>
+            </p:nvSpPr>
+            <p:spPr>
+              <a:xfrm>
+                <a:off x="144016" y="288231"/>
+                <a:ext cx="2664296" cy="720080"/>
+              </a:xfrm>
+              <a:prstGeom prst="rect">
+                <a:avLst/>
+              </a:prstGeom>
+              <a:noFill/>
+              <a:ln>
+                <a:noFill/>
+              </a:ln>
+            </p:spPr>
+            <p:style>
+              <a:lnRef idx="2">
+                <a:schemeClr val="accent1">
+                  <a:shade val="50000"/>
+                </a:schemeClr>
+              </a:lnRef>
+              <a:fillRef idx="1">
+                <a:schemeClr val="accent1"/>
+              </a:fillRef>
+              <a:effectRef idx="0">
+                <a:schemeClr val="accent1"/>
+              </a:effectRef>
+              <a:fontRef idx="minor">
+                <a:schemeClr val="lt1"/>
+              </a:fontRef>
+            </p:style>
+            <p:txBody>
+              <a:bodyPr rtlCol="0" anchor="ctr"/>
+              <a:lstStyle/>
+              <a:p>
+                <a:r>
+                  <a:rPr lang="ko-KR" altLang="en-US" sz="4000" b="1" dirty="0">
+                    <a:ln w="19050" cmpd="sng">
+                      <a:solidFill>
+                        <a:srgbClr val="00B050"/>
+                      </a:solidFill>
+                      <a:prstDash val="solid"/>
+                    </a:ln>
+                    <a:solidFill>
+                      <a:srgbClr val="F1EB7D"/>
+                    </a:solidFill>
+                    <a:latin typeface="메이플스토리 OTF" panose="02000300000000000000" pitchFamily="50" charset="-127"/>
+                    <a:ea typeface="메이플스토리 OTF" panose="02000300000000000000" pitchFamily="50" charset="-127"/>
+                  </a:rPr>
+                  <a:t>한국어 듣기</a:t>
+                </a:r>
+              </a:p>
+            </p:txBody>
+          </p:sp>
+        </p:grpSp>
         <p:sp>
           <p:nvSpPr>
-            <p:cNvPr id="4" name="직사각형 3">
+            <p:cNvPr id="12" name="직사각형 11">
               <a:extLst>
                 <a:ext uri="{FF2B5EF4-FFF2-40B4-BE49-F238E27FC236}">
-                  <a16:creationId xmlns:a16="http://schemas.microsoft.com/office/drawing/2014/main" id="{61026E35-D982-42A4-AD16-74D5DCCCFC03}"/>
+                  <a16:creationId xmlns:a16="http://schemas.microsoft.com/office/drawing/2014/main" id="{4AF94843-3EC0-400F-A934-2A85B3B40D50}"/>
                 </a:ext>
               </a:extLst>
             </p:cNvPr>
@@ -15783,35 +16299,26 @@
           </p:nvSpPr>
           <p:spPr>
             <a:xfrm>
-              <a:off x="-199" y="0"/>
-              <a:ext cx="5761038" cy="5761038"/>
+              <a:off x="4752727" y="1584375"/>
+              <a:ext cx="792088" cy="360040"/>
             </a:xfrm>
             <a:prstGeom prst="rect">
               <a:avLst/>
             </a:prstGeom>
-            <a:solidFill>
-              <a:srgbClr val="00B0F0">
-                <a:alpha val="60000"/>
-              </a:srgbClr>
-            </a:solidFill>
-            <a:ln>
-              <a:noFill/>
-            </a:ln>
+            <a:ln/>
           </p:spPr>
           <p:style>
             <a:lnRef idx="2">
-              <a:schemeClr val="accent1">
-                <a:shade val="50000"/>
-              </a:schemeClr>
+              <a:schemeClr val="accent3"/>
             </a:lnRef>
             <a:fillRef idx="1">
-              <a:schemeClr val="accent1"/>
+              <a:schemeClr val="lt1"/>
             </a:fillRef>
             <a:effectRef idx="0">
-              <a:schemeClr val="accent1"/>
+              <a:schemeClr val="accent3"/>
             </a:effectRef>
             <a:fontRef idx="minor">
-              <a:schemeClr val="lt1"/>
+              <a:schemeClr val="dk1"/>
             </a:fontRef>
           </p:style>
           <p:txBody>
@@ -15819,16 +16326,52 @@
             <a:lstStyle/>
             <a:p>
               <a:pPr algn="ctr"/>
-              <a:endParaRPr lang="ko-KR" altLang="en-US" dirty="0"/>
+              <a:r>
+                <a:rPr lang="ko-KR" altLang="en-US" sz="2200" b="1" spc="300" dirty="0">
+                  <a:ln w="11430" cmpd="sng">
+                    <a:solidFill>
+                      <a:schemeClr val="accent1">
+                        <a:tint val="10000"/>
+                      </a:schemeClr>
+                    </a:solidFill>
+                    <a:prstDash val="solid"/>
+                    <a:miter lim="800000"/>
+                  </a:ln>
+                  <a:gradFill>
+                    <a:gsLst>
+                      <a:gs pos="10000">
+                        <a:schemeClr val="accent1">
+                          <a:tint val="83000"/>
+                          <a:shade val="100000"/>
+                          <a:satMod val="200000"/>
+                        </a:schemeClr>
+                      </a:gs>
+                      <a:gs pos="75000">
+                        <a:schemeClr val="accent1">
+                          <a:tint val="100000"/>
+                          <a:shade val="50000"/>
+                          <a:satMod val="150000"/>
+                        </a:schemeClr>
+                      </a:gs>
+                    </a:gsLst>
+                    <a:lin ang="5400000"/>
+                  </a:gradFill>
+                  <a:effectLst/>
+                  <a:latin typeface="메이플스토리 OTF" panose="02000300000000000000" pitchFamily="50" charset="-127"/>
+                  <a:ea typeface="메이플스토리 OTF" panose="02000300000000000000" pitchFamily="50" charset="-127"/>
+                  <a:cs typeface="THE낙서" panose="02020503020101020101" pitchFamily="18" charset="-127"/>
+                </a:rPr>
+                <a:t>반복</a:t>
+              </a:r>
             </a:p>
           </p:txBody>
         </p:sp>
         <p:sp>
           <p:nvSpPr>
-            <p:cNvPr id="8" name="직사각형 7">
+            <p:cNvPr id="14" name="직사각형 13">
               <a:extLst>
                 <a:ext uri="{FF2B5EF4-FFF2-40B4-BE49-F238E27FC236}">
-                  <a16:creationId xmlns:a16="http://schemas.microsoft.com/office/drawing/2014/main" id="{A677AF50-1330-4904-AAA0-A747C6BDF15D}"/>
+                  <a16:creationId xmlns:a16="http://schemas.microsoft.com/office/drawing/2014/main" id="{7665E95F-3294-41A6-9C56-52B1AF949934}"/>
                 </a:ext>
               </a:extLst>
             </p:cNvPr>
@@ -15837,63 +16380,308 @@
           </p:nvSpPr>
           <p:spPr>
             <a:xfrm>
-              <a:off x="144016" y="288231"/>
-              <a:ext cx="2664296" cy="720080"/>
+              <a:off x="4752727" y="2448471"/>
+              <a:ext cx="792088" cy="360040"/>
             </a:xfrm>
             <a:prstGeom prst="rect">
               <a:avLst/>
             </a:prstGeom>
-            <a:noFill/>
-            <a:ln>
-              <a:noFill/>
-            </a:ln>
+            <a:ln/>
           </p:spPr>
           <p:style>
             <a:lnRef idx="2">
-              <a:schemeClr val="accent1">
-                <a:shade val="50000"/>
-              </a:schemeClr>
+              <a:schemeClr val="accent3"/>
             </a:lnRef>
             <a:fillRef idx="1">
-              <a:schemeClr val="accent1"/>
+              <a:schemeClr val="lt1"/>
             </a:fillRef>
             <a:effectRef idx="0">
-              <a:schemeClr val="accent1"/>
+              <a:schemeClr val="accent3"/>
             </a:effectRef>
             <a:fontRef idx="minor">
-              <a:schemeClr val="lt1"/>
+              <a:schemeClr val="dk1"/>
             </a:fontRef>
           </p:style>
           <p:txBody>
             <a:bodyPr rtlCol="0" anchor="ctr"/>
             <a:lstStyle/>
             <a:p>
+              <a:pPr algn="ctr"/>
               <a:r>
-                <a:rPr lang="ko-KR" altLang="en-US" sz="4000" b="1" dirty="0">
-                  <a:ln w="19050" cmpd="sng">
+                <a:rPr lang="ko-KR" altLang="en-US" sz="2200" b="1" spc="300" dirty="0">
+                  <a:ln w="11430" cmpd="sng">
                     <a:solidFill>
-                      <a:srgbClr val="00B050"/>
+                      <a:schemeClr val="accent1">
+                        <a:tint val="10000"/>
+                      </a:schemeClr>
                     </a:solidFill>
                     <a:prstDash val="solid"/>
+                    <a:miter lim="800000"/>
                   </a:ln>
-                  <a:solidFill>
-                    <a:srgbClr val="F1EB7D"/>
-                  </a:solidFill>
+                  <a:gradFill>
+                    <a:gsLst>
+                      <a:gs pos="10000">
+                        <a:schemeClr val="accent1">
+                          <a:tint val="83000"/>
+                          <a:shade val="100000"/>
+                          <a:satMod val="200000"/>
+                        </a:schemeClr>
+                      </a:gs>
+                      <a:gs pos="75000">
+                        <a:schemeClr val="accent1">
+                          <a:tint val="100000"/>
+                          <a:shade val="50000"/>
+                          <a:satMod val="150000"/>
+                        </a:schemeClr>
+                      </a:gs>
+                    </a:gsLst>
+                    <a:lin ang="5400000"/>
+                  </a:gradFill>
                   <a:latin typeface="메이플스토리 OTF" panose="02000300000000000000" pitchFamily="50" charset="-127"/>
                   <a:ea typeface="메이플스토리 OTF" panose="02000300000000000000" pitchFamily="50" charset="-127"/>
+                  <a:cs typeface="THE낙서" panose="02020503020101020101" pitchFamily="18" charset="-127"/>
                 </a:rPr>
-                <a:t>한국어 듣기</a:t>
+                <a:t>지연</a:t>
+              </a:r>
+              <a:endParaRPr lang="ko-KR" altLang="en-US" sz="2200" b="1" spc="300" dirty="0">
+                <a:ln w="11430" cmpd="sng">
+                  <a:solidFill>
+                    <a:schemeClr val="accent1">
+                      <a:tint val="10000"/>
+                    </a:schemeClr>
+                  </a:solidFill>
+                  <a:prstDash val="solid"/>
+                  <a:miter lim="800000"/>
+                </a:ln>
+                <a:gradFill>
+                  <a:gsLst>
+                    <a:gs pos="10000">
+                      <a:schemeClr val="accent1">
+                        <a:tint val="83000"/>
+                        <a:shade val="100000"/>
+                        <a:satMod val="200000"/>
+                      </a:schemeClr>
+                    </a:gs>
+                    <a:gs pos="75000">
+                      <a:schemeClr val="accent1">
+                        <a:tint val="100000"/>
+                        <a:shade val="50000"/>
+                        <a:satMod val="150000"/>
+                      </a:schemeClr>
+                    </a:gs>
+                  </a:gsLst>
+                  <a:lin ang="5400000"/>
+                </a:gradFill>
+                <a:effectLst/>
+                <a:latin typeface="메이플스토리 OTF" panose="02000300000000000000" pitchFamily="50" charset="-127"/>
+                <a:ea typeface="메이플스토리 OTF" panose="02000300000000000000" pitchFamily="50" charset="-127"/>
+                <a:cs typeface="THE낙서" panose="02020503020101020101" pitchFamily="18" charset="-127"/>
+              </a:endParaRPr>
+            </a:p>
+          </p:txBody>
+        </p:sp>
+        <p:sp>
+          <p:nvSpPr>
+            <p:cNvPr id="16" name="직사각형 15">
+              <a:extLst>
+                <a:ext uri="{FF2B5EF4-FFF2-40B4-BE49-F238E27FC236}">
+                  <a16:creationId xmlns:a16="http://schemas.microsoft.com/office/drawing/2014/main" id="{0CA81A64-59B6-4731-A066-DFCC24DFA710}"/>
+                </a:ext>
+              </a:extLst>
+            </p:cNvPr>
+            <p:cNvSpPr/>
+            <p:nvPr/>
+          </p:nvSpPr>
+          <p:spPr>
+            <a:xfrm>
+              <a:off x="4752727" y="3570245"/>
+              <a:ext cx="792088" cy="360040"/>
+            </a:xfrm>
+            <a:prstGeom prst="rect">
+              <a:avLst/>
+            </a:prstGeom>
+            <a:ln/>
+          </p:spPr>
+          <p:style>
+            <a:lnRef idx="2">
+              <a:schemeClr val="accent3"/>
+            </a:lnRef>
+            <a:fillRef idx="1">
+              <a:schemeClr val="lt1"/>
+            </a:fillRef>
+            <a:effectRef idx="0">
+              <a:schemeClr val="accent3"/>
+            </a:effectRef>
+            <a:fontRef idx="minor">
+              <a:schemeClr val="dk1"/>
+            </a:fontRef>
+          </p:style>
+          <p:txBody>
+            <a:bodyPr rtlCol="0" anchor="ctr"/>
+            <a:lstStyle/>
+            <a:p>
+              <a:pPr algn="ctr"/>
+              <a:r>
+                <a:rPr lang="ko-KR" altLang="en-US" sz="2200" b="1" spc="300" dirty="0">
+                  <a:ln w="11430" cmpd="sng">
+                    <a:solidFill>
+                      <a:schemeClr val="accent1">
+                        <a:tint val="10000"/>
+                      </a:schemeClr>
+                    </a:solidFill>
+                    <a:prstDash val="solid"/>
+                    <a:miter lim="800000"/>
+                  </a:ln>
+                  <a:gradFill>
+                    <a:gsLst>
+                      <a:gs pos="10000">
+                        <a:schemeClr val="accent1">
+                          <a:tint val="83000"/>
+                          <a:shade val="100000"/>
+                          <a:satMod val="200000"/>
+                        </a:schemeClr>
+                      </a:gs>
+                      <a:gs pos="75000">
+                        <a:schemeClr val="accent1">
+                          <a:tint val="100000"/>
+                          <a:shade val="50000"/>
+                          <a:satMod val="150000"/>
+                        </a:schemeClr>
+                      </a:gs>
+                    </a:gsLst>
+                    <a:lin ang="5400000"/>
+                  </a:gradFill>
+                  <a:effectLst/>
+                  <a:latin typeface="메이플스토리 OTF" panose="02000300000000000000" pitchFamily="50" charset="-127"/>
+                  <a:ea typeface="메이플스토리 OTF" panose="02000300000000000000" pitchFamily="50" charset="-127"/>
+                  <a:cs typeface="THE낙서" panose="02020503020101020101" pitchFamily="18" charset="-127"/>
+                </a:rPr>
+                <a:t>반복</a:t>
               </a:r>
             </a:p>
           </p:txBody>
         </p:sp>
+        <p:sp>
+          <p:nvSpPr>
+            <p:cNvPr id="18" name="직사각형 17">
+              <a:extLst>
+                <a:ext uri="{FF2B5EF4-FFF2-40B4-BE49-F238E27FC236}">
+                  <a16:creationId xmlns:a16="http://schemas.microsoft.com/office/drawing/2014/main" id="{78827B82-91CB-4CD1-A903-A735A4B2F0A1}"/>
+                </a:ext>
+              </a:extLst>
+            </p:cNvPr>
+            <p:cNvSpPr/>
+            <p:nvPr/>
+          </p:nvSpPr>
+          <p:spPr>
+            <a:xfrm>
+              <a:off x="4752727" y="4434341"/>
+              <a:ext cx="792088" cy="360040"/>
+            </a:xfrm>
+            <a:prstGeom prst="rect">
+              <a:avLst/>
+            </a:prstGeom>
+            <a:ln/>
+          </p:spPr>
+          <p:style>
+            <a:lnRef idx="2">
+              <a:schemeClr val="accent3"/>
+            </a:lnRef>
+            <a:fillRef idx="1">
+              <a:schemeClr val="lt1"/>
+            </a:fillRef>
+            <a:effectRef idx="0">
+              <a:schemeClr val="accent3"/>
+            </a:effectRef>
+            <a:fontRef idx="minor">
+              <a:schemeClr val="dk1"/>
+            </a:fontRef>
+          </p:style>
+          <p:txBody>
+            <a:bodyPr rtlCol="0" anchor="ctr"/>
+            <a:lstStyle/>
+            <a:p>
+              <a:pPr algn="ctr"/>
+              <a:r>
+                <a:rPr lang="ko-KR" altLang="en-US" sz="2200" b="1" spc="300" dirty="0">
+                  <a:ln w="11430" cmpd="sng">
+                    <a:solidFill>
+                      <a:schemeClr val="accent1">
+                        <a:tint val="10000"/>
+                      </a:schemeClr>
+                    </a:solidFill>
+                    <a:prstDash val="solid"/>
+                    <a:miter lim="800000"/>
+                  </a:ln>
+                  <a:gradFill>
+                    <a:gsLst>
+                      <a:gs pos="10000">
+                        <a:schemeClr val="accent1">
+                          <a:tint val="83000"/>
+                          <a:shade val="100000"/>
+                          <a:satMod val="200000"/>
+                        </a:schemeClr>
+                      </a:gs>
+                      <a:gs pos="75000">
+                        <a:schemeClr val="accent1">
+                          <a:tint val="100000"/>
+                          <a:shade val="50000"/>
+                          <a:satMod val="150000"/>
+                        </a:schemeClr>
+                      </a:gs>
+                    </a:gsLst>
+                    <a:lin ang="5400000"/>
+                  </a:gradFill>
+                  <a:latin typeface="메이플스토리 OTF" panose="02000300000000000000" pitchFamily="50" charset="-127"/>
+                  <a:ea typeface="메이플스토리 OTF" panose="02000300000000000000" pitchFamily="50" charset="-127"/>
+                  <a:cs typeface="THE낙서" panose="02020503020101020101" pitchFamily="18" charset="-127"/>
+                </a:rPr>
+                <a:t>지연</a:t>
+              </a:r>
+              <a:endParaRPr lang="ko-KR" altLang="en-US" sz="2200" b="1" spc="300" dirty="0">
+                <a:ln w="11430" cmpd="sng">
+                  <a:solidFill>
+                    <a:schemeClr val="accent1">
+                      <a:tint val="10000"/>
+                    </a:schemeClr>
+                  </a:solidFill>
+                  <a:prstDash val="solid"/>
+                  <a:miter lim="800000"/>
+                </a:ln>
+                <a:gradFill>
+                  <a:gsLst>
+                    <a:gs pos="10000">
+                      <a:schemeClr val="accent1">
+                        <a:tint val="83000"/>
+                        <a:shade val="100000"/>
+                        <a:satMod val="200000"/>
+                      </a:schemeClr>
+                    </a:gs>
+                    <a:gs pos="75000">
+                      <a:schemeClr val="accent1">
+                        <a:tint val="100000"/>
+                        <a:shade val="50000"/>
+                        <a:satMod val="150000"/>
+                      </a:schemeClr>
+                    </a:gs>
+                  </a:gsLst>
+                  <a:lin ang="5400000"/>
+                </a:gradFill>
+                <a:effectLst/>
+                <a:latin typeface="메이플스토리 OTF" panose="02000300000000000000" pitchFamily="50" charset="-127"/>
+                <a:ea typeface="메이플스토리 OTF" panose="02000300000000000000" pitchFamily="50" charset="-127"/>
+                <a:cs typeface="THE낙서" panose="02020503020101020101" pitchFamily="18" charset="-127"/>
+              </a:endParaRPr>
+            </a:p>
+          </p:txBody>
+        </p:sp>
       </p:grpSp>
       <p:sp>
         <p:nvSpPr>
-          <p:cNvPr id="6" name="직사각형 5">
+          <p:cNvPr id="7" name="직사각형 6">
             <a:extLst>
               <a:ext uri="{FF2B5EF4-FFF2-40B4-BE49-F238E27FC236}">
-                <a16:creationId xmlns:a16="http://schemas.microsoft.com/office/drawing/2014/main" id="{61DA28D8-CF51-48D8-AECF-959549A3835F}"/>
+                <a16:creationId xmlns:a16="http://schemas.microsoft.com/office/drawing/2014/main" id="{344B1101-5E90-4A02-A187-C11BAC69744A}"/>
               </a:ext>
             </a:extLst>
           </p:cNvPr>
@@ -15902,8 +16690,86 @@
         </p:nvSpPr>
         <p:spPr>
           <a:xfrm>
+            <a:off x="4176663" y="360239"/>
+            <a:ext cx="1368152" cy="504056"/>
+          </a:xfrm>
+          <a:prstGeom prst="rect">
+            <a:avLst/>
+          </a:prstGeom>
+          <a:ln/>
+          <a:effectLst>
+            <a:outerShdw blurRad="40000" dist="20000" dir="5400000" sx="105000" sy="105000" rotWithShape="0">
+              <a:srgbClr val="000000">
+                <a:alpha val="38000"/>
+              </a:srgbClr>
+            </a:outerShdw>
+          </a:effectLst>
+        </p:spPr>
+        <p:style>
+          <a:lnRef idx="1">
+            <a:schemeClr val="accent3"/>
+          </a:lnRef>
+          <a:fillRef idx="2">
+            <a:schemeClr val="accent3"/>
+          </a:fillRef>
+          <a:effectRef idx="1">
+            <a:schemeClr val="accent3"/>
+          </a:effectRef>
+          <a:fontRef idx="minor">
+            <a:schemeClr val="dk1"/>
+          </a:fontRef>
+        </p:style>
+        <p:txBody>
+          <a:bodyPr rtlCol="0" anchor="ctr"/>
+          <a:lstStyle/>
+          <a:p>
+            <a:pPr algn="ctr"/>
+            <a:r>
+              <a:rPr lang="ko-KR" altLang="en-US" sz="2200" dirty="0">
+                <a:ln w="0"/>
+                <a:solidFill>
+                  <a:schemeClr val="accent2">
+                    <a:lumMod val="20000"/>
+                    <a:lumOff val="80000"/>
+                  </a:schemeClr>
+                </a:solidFill>
+                <a:effectLst>
+                  <a:glow rad="101600">
+                    <a:schemeClr val="accent5">
+                      <a:satMod val="175000"/>
+                      <a:alpha val="40000"/>
+                    </a:schemeClr>
+                  </a:glow>
+                  <a:outerShdw blurRad="38100" dist="19050" dir="2700000" algn="tl" rotWithShape="0">
+                    <a:schemeClr val="dk1">
+                      <a:alpha val="40000"/>
+                    </a:schemeClr>
+                  </a:outerShdw>
+                </a:effectLst>
+                <a:latin typeface="HY나무M" panose="02030600000101010101" pitchFamily="18" charset="-127"/>
+                <a:ea typeface="HY나무M" panose="02030600000101010101" pitchFamily="18" charset="-127"/>
+              </a:rPr>
+              <a:t>돌아가기</a:t>
+            </a:r>
+          </a:p>
+        </p:txBody>
+      </p:sp>
+      <p:sp>
+        <p:nvSpPr>
+          <p:cNvPr id="10" name="직사각형 9">
+            <a:extLst>
+              <a:ext uri="{FF2B5EF4-FFF2-40B4-BE49-F238E27FC236}">
+                <a16:creationId xmlns:a16="http://schemas.microsoft.com/office/drawing/2014/main" id="{8BC53F7B-DFA3-475D-8A2B-348E60ABEB2C}"/>
+              </a:ext>
+            </a:extLst>
+          </p:cNvPr>
+          <p:cNvSpPr/>
+          <p:nvPr/>
+        </p:nvSpPr>
+        <p:spPr>
+          <a:xfrm>
             <a:off x="358163" y="3491448"/>
-            <a:ext cx="5042636" cy="1800200"/>
+            <a:ext cx="4250548" cy="1800200"/>
           </a:xfrm>
           <a:prstGeom prst="rect">
             <a:avLst/>
@@ -15971,10 +16837,10 @@
       </p:sp>
       <p:sp>
         <p:nvSpPr>
-          <p:cNvPr id="7" name="직사각형 6">
+          <p:cNvPr id="11" name="직사각형 10">
             <a:extLst>
               <a:ext uri="{FF2B5EF4-FFF2-40B4-BE49-F238E27FC236}">
-                <a16:creationId xmlns:a16="http://schemas.microsoft.com/office/drawing/2014/main" id="{344B1101-5E90-4A02-A187-C11BAC69744A}"/>
+                <a16:creationId xmlns:a16="http://schemas.microsoft.com/office/drawing/2014/main" id="{27025D23-88ED-4696-ADE9-DB86E31C4ED2}"/>
               </a:ext>
             </a:extLst>
           </p:cNvPr>
@@ -15983,86 +16849,8 @@
         </p:nvSpPr>
         <p:spPr>
           <a:xfrm>
-            <a:off x="4176663" y="360239"/>
-            <a:ext cx="1368152" cy="504056"/>
-          </a:xfrm>
-          <a:prstGeom prst="rect">
-            <a:avLst/>
-          </a:prstGeom>
-          <a:ln/>
-          <a:effectLst>
-            <a:outerShdw blurRad="40000" dist="20000" dir="5400000" sx="105000" sy="105000" rotWithShape="0">
-              <a:srgbClr val="000000">
-                <a:alpha val="38000"/>
-              </a:srgbClr>
-            </a:outerShdw>
-          </a:effectLst>
-        </p:spPr>
-        <p:style>
-          <a:lnRef idx="1">
-            <a:schemeClr val="accent3"/>
-          </a:lnRef>
-          <a:fillRef idx="2">
-            <a:schemeClr val="accent3"/>
-          </a:fillRef>
-          <a:effectRef idx="1">
-            <a:schemeClr val="accent3"/>
-          </a:effectRef>
-          <a:fontRef idx="minor">
-            <a:schemeClr val="dk1"/>
-          </a:fontRef>
-        </p:style>
-        <p:txBody>
-          <a:bodyPr rtlCol="0" anchor="ctr"/>
-          <a:lstStyle/>
-          <a:p>
-            <a:pPr algn="ctr"/>
-            <a:r>
-              <a:rPr lang="ko-KR" altLang="en-US" sz="2200" dirty="0">
-                <a:ln w="0"/>
-                <a:solidFill>
-                  <a:schemeClr val="accent2">
-                    <a:lumMod val="20000"/>
-                    <a:lumOff val="80000"/>
-                  </a:schemeClr>
-                </a:solidFill>
-                <a:effectLst>
-                  <a:glow rad="101600">
-                    <a:schemeClr val="accent5">
-                      <a:satMod val="175000"/>
-                      <a:alpha val="40000"/>
-                    </a:schemeClr>
-                  </a:glow>
-                  <a:outerShdw blurRad="38100" dist="19050" dir="2700000" algn="tl" rotWithShape="0">
-                    <a:schemeClr val="dk1">
-                      <a:alpha val="40000"/>
-                    </a:schemeClr>
-                  </a:outerShdw>
-                </a:effectLst>
-                <a:latin typeface="HY나무M" panose="02030600000101010101" pitchFamily="18" charset="-127"/>
-                <a:ea typeface="HY나무M" panose="02030600000101010101" pitchFamily="18" charset="-127"/>
-              </a:rPr>
-              <a:t>돌아가기</a:t>
-            </a:r>
-          </a:p>
-        </p:txBody>
-      </p:sp>
-      <p:sp>
-        <p:nvSpPr>
-          <p:cNvPr id="9" name="직사각형 8">
-            <a:extLst>
-              <a:ext uri="{FF2B5EF4-FFF2-40B4-BE49-F238E27FC236}">
-                <a16:creationId xmlns:a16="http://schemas.microsoft.com/office/drawing/2014/main" id="{95323615-337C-4B29-8D11-959C883B5A68}"/>
-              </a:ext>
-            </a:extLst>
-          </p:cNvPr>
-          <p:cNvSpPr/>
-          <p:nvPr/>
-        </p:nvSpPr>
-        <p:spPr>
-          <a:xfrm>
             <a:off x="358163" y="1512367"/>
-            <a:ext cx="5042636" cy="1800200"/>
+            <a:ext cx="4250548" cy="1800200"/>
           </a:xfrm>
           <a:prstGeom prst="rect">
             <a:avLst/>

--- a/design.pptx
+++ b/design.pptx
@@ -11,6 +11,7 @@
     <p:sldId id="261" r:id="rId5"/>
     <p:sldId id="262" r:id="rId6"/>
     <p:sldId id="263" r:id="rId7"/>
+    <p:sldId id="264" r:id="rId8"/>
   </p:sldIdLst>
   <p:sldSz cx="5761038" cy="5761038"/>
   <p:notesSz cx="6858000" cy="9144000"/>
@@ -308,7 +309,7 @@
             <a:fld id="{B431DB3D-C2BB-4DBE-9C63-7A3084D9948D}" type="datetimeFigureOut">
               <a:rPr lang="ko-KR" altLang="en-US" smtClean="0"/>
               <a:pPr/>
-              <a:t>2021-03-21</a:t>
+              <a:t>2021-03-22</a:t>
             </a:fld>
             <a:endParaRPr lang="ko-KR" altLang="en-US"/>
           </a:p>
@@ -473,7 +474,7 @@
             <a:fld id="{B431DB3D-C2BB-4DBE-9C63-7A3084D9948D}" type="datetimeFigureOut">
               <a:rPr lang="ko-KR" altLang="en-US" smtClean="0"/>
               <a:pPr/>
-              <a:t>2021-03-21</a:t>
+              <a:t>2021-03-22</a:t>
             </a:fld>
             <a:endParaRPr lang="ko-KR" altLang="en-US"/>
           </a:p>
@@ -648,7 +649,7 @@
             <a:fld id="{B431DB3D-C2BB-4DBE-9C63-7A3084D9948D}" type="datetimeFigureOut">
               <a:rPr lang="ko-KR" altLang="en-US" smtClean="0"/>
               <a:pPr/>
-              <a:t>2021-03-21</a:t>
+              <a:t>2021-03-22</a:t>
             </a:fld>
             <a:endParaRPr lang="ko-KR" altLang="en-US"/>
           </a:p>
@@ -813,7 +814,7 @@
             <a:fld id="{B431DB3D-C2BB-4DBE-9C63-7A3084D9948D}" type="datetimeFigureOut">
               <a:rPr lang="ko-KR" altLang="en-US" smtClean="0"/>
               <a:pPr/>
-              <a:t>2021-03-21</a:t>
+              <a:t>2021-03-22</a:t>
             </a:fld>
             <a:endParaRPr lang="ko-KR" altLang="en-US"/>
           </a:p>
@@ -1055,7 +1056,7 @@
             <a:fld id="{B431DB3D-C2BB-4DBE-9C63-7A3084D9948D}" type="datetimeFigureOut">
               <a:rPr lang="ko-KR" altLang="en-US" smtClean="0"/>
               <a:pPr/>
-              <a:t>2021-03-21</a:t>
+              <a:t>2021-03-22</a:t>
             </a:fld>
             <a:endParaRPr lang="ko-KR" altLang="en-US"/>
           </a:p>
@@ -1337,7 +1338,7 @@
             <a:fld id="{B431DB3D-C2BB-4DBE-9C63-7A3084D9948D}" type="datetimeFigureOut">
               <a:rPr lang="ko-KR" altLang="en-US" smtClean="0"/>
               <a:pPr/>
-              <a:t>2021-03-21</a:t>
+              <a:t>2021-03-22</a:t>
             </a:fld>
             <a:endParaRPr lang="ko-KR" altLang="en-US"/>
           </a:p>
@@ -1758,7 +1759,7 @@
             <a:fld id="{B431DB3D-C2BB-4DBE-9C63-7A3084D9948D}" type="datetimeFigureOut">
               <a:rPr lang="ko-KR" altLang="en-US" smtClean="0"/>
               <a:pPr/>
-              <a:t>2021-03-21</a:t>
+              <a:t>2021-03-22</a:t>
             </a:fld>
             <a:endParaRPr lang="ko-KR" altLang="en-US"/>
           </a:p>
@@ -1872,7 +1873,7 @@
             <a:fld id="{B431DB3D-C2BB-4DBE-9C63-7A3084D9948D}" type="datetimeFigureOut">
               <a:rPr lang="ko-KR" altLang="en-US" smtClean="0"/>
               <a:pPr/>
-              <a:t>2021-03-21</a:t>
+              <a:t>2021-03-22</a:t>
             </a:fld>
             <a:endParaRPr lang="ko-KR" altLang="en-US"/>
           </a:p>
@@ -1964,7 +1965,7 @@
             <a:fld id="{B431DB3D-C2BB-4DBE-9C63-7A3084D9948D}" type="datetimeFigureOut">
               <a:rPr lang="ko-KR" altLang="en-US" smtClean="0"/>
               <a:pPr/>
-              <a:t>2021-03-21</a:t>
+              <a:t>2021-03-22</a:t>
             </a:fld>
             <a:endParaRPr lang="ko-KR" altLang="en-US"/>
           </a:p>
@@ -2236,7 +2237,7 @@
             <a:fld id="{B431DB3D-C2BB-4DBE-9C63-7A3084D9948D}" type="datetimeFigureOut">
               <a:rPr lang="ko-KR" altLang="en-US" smtClean="0"/>
               <a:pPr/>
-              <a:t>2021-03-21</a:t>
+              <a:t>2021-03-22</a:t>
             </a:fld>
             <a:endParaRPr lang="ko-KR" altLang="en-US"/>
           </a:p>
@@ -2485,7 +2486,7 @@
             <a:fld id="{B431DB3D-C2BB-4DBE-9C63-7A3084D9948D}" type="datetimeFigureOut">
               <a:rPr lang="ko-KR" altLang="en-US" smtClean="0"/>
               <a:pPr/>
-              <a:t>2021-03-21</a:t>
+              <a:t>2021-03-22</a:t>
             </a:fld>
             <a:endParaRPr lang="ko-KR" altLang="en-US"/>
           </a:p>
@@ -2693,7 +2694,7 @@
             <a:fld id="{B431DB3D-C2BB-4DBE-9C63-7A3084D9948D}" type="datetimeFigureOut">
               <a:rPr lang="ko-KR" altLang="en-US" smtClean="0"/>
               <a:pPr/>
-              <a:t>2021-03-21</a:t>
+              <a:t>2021-03-22</a:t>
             </a:fld>
             <a:endParaRPr lang="ko-KR" altLang="en-US"/>
           </a:p>
@@ -16929,6 +16930,332 @@
 </p:sld>
 </file>
 
+<file path=ppt/slides/slide7.xml><?xml version="1.0" encoding="utf-8"?>
+<p:sld xmlns:a="http://schemas.openxmlformats.org/drawingml/2006/main" xmlns:r="http://schemas.openxmlformats.org/officeDocument/2006/relationships" xmlns:p="http://schemas.openxmlformats.org/presentationml/2006/main">
+  <p:cSld>
+    <p:spTree>
+      <p:nvGrpSpPr>
+        <p:cNvPr id="1" name=""/>
+        <p:cNvGrpSpPr/>
+        <p:nvPr/>
+      </p:nvGrpSpPr>
+      <p:grpSpPr>
+        <a:xfrm>
+          <a:off x="0" y="0"/>
+          <a:ext cx="0" cy="0"/>
+          <a:chOff x="0" y="0"/>
+          <a:chExt cx="0" cy="0"/>
+        </a:xfrm>
+      </p:grpSpPr>
+      <p:sp>
+        <p:nvSpPr>
+          <p:cNvPr id="2" name="사각형: 둥근 모서리 1">
+            <a:extLst>
+              <a:ext uri="{FF2B5EF4-FFF2-40B4-BE49-F238E27FC236}">
+                <a16:creationId xmlns:a16="http://schemas.microsoft.com/office/drawing/2014/main" id="{720BD0EF-147A-4606-925F-F1CB1545E644}"/>
+              </a:ext>
+            </a:extLst>
+          </p:cNvPr>
+          <p:cNvSpPr/>
+          <p:nvPr/>
+        </p:nvSpPr>
+        <p:spPr>
+          <a:xfrm>
+            <a:off x="1184143" y="814240"/>
+            <a:ext cx="2952328" cy="2952328"/>
+          </a:xfrm>
+          <a:prstGeom prst="roundRect">
+            <a:avLst/>
+          </a:prstGeom>
+          <a:solidFill>
+            <a:schemeClr val="accent5">
+              <a:lumMod val="60000"/>
+              <a:lumOff val="40000"/>
+              <a:alpha val="75000"/>
+            </a:schemeClr>
+          </a:solidFill>
+          <a:ln>
+            <a:noFill/>
+          </a:ln>
+          <a:scene3d>
+            <a:camera prst="orthographicFront"/>
+            <a:lightRig rig="threePt" dir="t"/>
+          </a:scene3d>
+          <a:sp3d>
+            <a:bevelT/>
+          </a:sp3d>
+        </p:spPr>
+        <p:style>
+          <a:lnRef idx="2">
+            <a:schemeClr val="accent1">
+              <a:shade val="50000"/>
+            </a:schemeClr>
+          </a:lnRef>
+          <a:fillRef idx="1">
+            <a:schemeClr val="accent1"/>
+          </a:fillRef>
+          <a:effectRef idx="0">
+            <a:schemeClr val="accent1"/>
+          </a:effectRef>
+          <a:fontRef idx="minor">
+            <a:schemeClr val="lt1"/>
+          </a:fontRef>
+        </p:style>
+        <p:txBody>
+          <a:bodyPr rtlCol="0" anchor="ctr"/>
+          <a:lstStyle/>
+          <a:p>
+            <a:pPr algn="ctr"/>
+            <a:endParaRPr lang="ko-KR" altLang="en-US" dirty="0"/>
+          </a:p>
+        </p:txBody>
+      </p:sp>
+      <p:grpSp>
+        <p:nvGrpSpPr>
+          <p:cNvPr id="4" name="그룹 3">
+            <a:extLst>
+              <a:ext uri="{FF2B5EF4-FFF2-40B4-BE49-F238E27FC236}">
+                <a16:creationId xmlns:a16="http://schemas.microsoft.com/office/drawing/2014/main" id="{0CE4E01C-1907-436A-8C27-E6B4383F7773}"/>
+              </a:ext>
+            </a:extLst>
+          </p:cNvPr>
+          <p:cNvGrpSpPr/>
+          <p:nvPr/>
+        </p:nvGrpSpPr>
+        <p:grpSpPr>
+          <a:xfrm>
+            <a:off x="1375487" y="1030264"/>
+            <a:ext cx="2569641" cy="2520280"/>
+            <a:chOff x="2808511" y="3983276"/>
+            <a:chExt cx="1440160" cy="1440160"/>
+          </a:xfrm>
+          <a:effectLst>
+            <a:glow rad="101600">
+              <a:schemeClr val="accent3">
+                <a:satMod val="175000"/>
+                <a:alpha val="40000"/>
+              </a:schemeClr>
+            </a:glow>
+          </a:effectLst>
+        </p:grpSpPr>
+        <p:pic>
+          <p:nvPicPr>
+            <p:cNvPr id="5" name="Picture 2" descr="Translate Tools Stock Illustrations, Cliparts And Royalty Free Translate  Tools Vectors">
+              <a:extLst>
+                <a:ext uri="{FF2B5EF4-FFF2-40B4-BE49-F238E27FC236}">
+                  <a16:creationId xmlns:a16="http://schemas.microsoft.com/office/drawing/2014/main" id="{EA103013-A2EB-4A78-843E-14055D3E0666}"/>
+                </a:ext>
+              </a:extLst>
+            </p:cNvPr>
+            <p:cNvPicPr>
+              <a:picLocks noChangeAspect="1" noChangeArrowheads="1"/>
+            </p:cNvPicPr>
+            <p:nvPr/>
+          </p:nvPicPr>
+          <p:blipFill rotWithShape="1">
+            <a:blip r:embed="rId2">
+              <a:clrChange>
+                <a:clrFrom>
+                  <a:srgbClr val="FFFFFF"/>
+                </a:clrFrom>
+                <a:clrTo>
+                  <a:srgbClr val="FFFFFF">
+                    <a:alpha val="0"/>
+                  </a:srgbClr>
+                </a:clrTo>
+              </a:clrChange>
+            </a:blip>
+            <a:srcRect l="47230"/>
+            <a:stretch/>
+          </p:blipFill>
+          <p:spPr bwMode="auto">
+            <a:xfrm>
+              <a:off x="3488780" y="3983356"/>
+              <a:ext cx="759891" cy="1440000"/>
+            </a:xfrm>
+            <a:prstGeom prst="rect">
+              <a:avLst/>
+            </a:prstGeom>
+            <a:noFill/>
+          </p:spPr>
+        </p:pic>
+        <p:pic>
+          <p:nvPicPr>
+            <p:cNvPr id="1030" name="Picture 6" descr="Translate Tools Stock Illustrations, Cliparts And Royalty Free Translate  Tools Vectors">
+              <a:extLst>
+                <a:ext uri="{FF2B5EF4-FFF2-40B4-BE49-F238E27FC236}">
+                  <a16:creationId xmlns:a16="http://schemas.microsoft.com/office/drawing/2014/main" id="{DB3AC73C-8354-44A5-83C9-6EFB8B9630D0}"/>
+                </a:ext>
+              </a:extLst>
+            </p:cNvPr>
+            <p:cNvPicPr>
+              <a:picLocks noChangeAspect="1" noChangeArrowheads="1"/>
+            </p:cNvPicPr>
+            <p:nvPr/>
+          </p:nvPicPr>
+          <p:blipFill>
+            <a:blip r:embed="rId3">
+              <a:extLst>
+                <a:ext uri="{BEBA8EAE-BF5A-486C-A8C5-ECC9F3942E4B}">
+                  <a14:imgProps xmlns:a14="http://schemas.microsoft.com/office/drawing/2010/main">
+                    <a14:imgLayer r:embed="rId4">
+                      <a14:imgEffect>
+                        <a14:backgroundRemoval t="10000" b="90000" l="10000" r="90000"/>
+                      </a14:imgEffect>
+                    </a14:imgLayer>
+                  </a14:imgProps>
+                </a:ext>
+                <a:ext uri="{28A0092B-C50C-407E-A947-70E740481C1C}">
+                  <a14:useLocalDpi xmlns:a14="http://schemas.microsoft.com/office/drawing/2010/main" val="0"/>
+                </a:ext>
+              </a:extLst>
+            </a:blip>
+            <a:srcRect/>
+            <a:stretch>
+              <a:fillRect/>
+            </a:stretch>
+          </p:blipFill>
+          <p:spPr bwMode="auto">
+            <a:xfrm>
+              <a:off x="2808511" y="3983276"/>
+              <a:ext cx="1440160" cy="1440160"/>
+            </a:xfrm>
+            <a:prstGeom prst="rect">
+              <a:avLst/>
+            </a:prstGeom>
+            <a:noFill/>
+            <a:extLst>
+              <a:ext uri="{909E8E84-426E-40DD-AFC4-6F175D3DCCD1}">
+                <a14:hiddenFill xmlns:a14="http://schemas.microsoft.com/office/drawing/2010/main">
+                  <a:solidFill>
+                    <a:srgbClr val="FFFFFF"/>
+                  </a:solidFill>
+                </a14:hiddenFill>
+              </a:ext>
+            </a:extLst>
+          </p:spPr>
+        </p:pic>
+        <p:pic>
+          <p:nvPicPr>
+            <p:cNvPr id="8" name="Picture 2" descr="Translate Tools Stock Illustrations, Cliparts And Royalty Free Translate  Tools Vectors">
+              <a:extLst>
+                <a:ext uri="{FF2B5EF4-FFF2-40B4-BE49-F238E27FC236}">
+                  <a16:creationId xmlns:a16="http://schemas.microsoft.com/office/drawing/2014/main" id="{CE638C29-A02F-400A-BE1E-CB100DA9EB2C}"/>
+                </a:ext>
+              </a:extLst>
+            </p:cNvPr>
+            <p:cNvPicPr>
+              <a:picLocks noChangeAspect="1" noChangeArrowheads="1"/>
+            </p:cNvPicPr>
+            <p:nvPr/>
+          </p:nvPicPr>
+          <p:blipFill rotWithShape="1">
+            <a:blip r:embed="rId2">
+              <a:clrChange>
+                <a:clrFrom>
+                  <a:srgbClr val="FFFFFF"/>
+                </a:clrFrom>
+                <a:clrTo>
+                  <a:srgbClr val="FFFFFF">
+                    <a:alpha val="0"/>
+                  </a:srgbClr>
+                </a:clrTo>
+              </a:clrChange>
+            </a:blip>
+            <a:srcRect t="47820"/>
+            <a:stretch/>
+          </p:blipFill>
+          <p:spPr bwMode="auto">
+            <a:xfrm>
+              <a:off x="2808671" y="4670714"/>
+              <a:ext cx="1440000" cy="751400"/>
+            </a:xfrm>
+            <a:prstGeom prst="rect">
+              <a:avLst/>
+            </a:prstGeom>
+            <a:noFill/>
+          </p:spPr>
+        </p:pic>
+        <p:sp>
+          <p:nvSpPr>
+            <p:cNvPr id="3" name="직사각형 2">
+              <a:extLst>
+                <a:ext uri="{FF2B5EF4-FFF2-40B4-BE49-F238E27FC236}">
+                  <a16:creationId xmlns:a16="http://schemas.microsoft.com/office/drawing/2014/main" id="{F1E50900-B3CA-4D6B-A3ED-B2E764F725A3}"/>
+                </a:ext>
+              </a:extLst>
+            </p:cNvPr>
+            <p:cNvSpPr/>
+            <p:nvPr/>
+          </p:nvSpPr>
+          <p:spPr>
+            <a:xfrm>
+              <a:off x="2997498" y="4248671"/>
+              <a:ext cx="531093" cy="420721"/>
+            </a:xfrm>
+            <a:prstGeom prst="rect">
+              <a:avLst/>
+            </a:prstGeom>
+            <a:noFill/>
+            <a:ln>
+              <a:noFill/>
+            </a:ln>
+          </p:spPr>
+          <p:style>
+            <a:lnRef idx="2">
+              <a:schemeClr val="accent1">
+                <a:shade val="50000"/>
+              </a:schemeClr>
+            </a:lnRef>
+            <a:fillRef idx="1">
+              <a:schemeClr val="accent1"/>
+            </a:fillRef>
+            <a:effectRef idx="0">
+              <a:schemeClr val="accent1"/>
+            </a:effectRef>
+            <a:fontRef idx="minor">
+              <a:schemeClr val="lt1"/>
+            </a:fontRef>
+          </p:style>
+          <p:txBody>
+            <a:bodyPr rtlCol="0" anchor="ctr"/>
+            <a:lstStyle/>
+            <a:p>
+              <a:pPr algn="ctr"/>
+              <a:r>
+                <a:rPr lang="ko-KR" altLang="en-US" sz="8000" dirty="0" err="1">
+                  <a:solidFill>
+                    <a:sysClr val="windowText" lastClr="000000"/>
+                  </a:solidFill>
+                  <a:latin typeface="KoPub돋움체 Medium" panose="02020603020101020101" pitchFamily="18" charset="-127"/>
+                  <a:ea typeface="KoPub돋움체 Medium" panose="02020603020101020101" pitchFamily="18" charset="-127"/>
+                </a:rPr>
+                <a:t>ㄱ</a:t>
+              </a:r>
+              <a:endParaRPr lang="ko-KR" altLang="en-US" sz="8000" dirty="0">
+                <a:solidFill>
+                  <a:sysClr val="windowText" lastClr="000000"/>
+                </a:solidFill>
+                <a:latin typeface="KoPub돋움체 Medium" panose="02020603020101020101" pitchFamily="18" charset="-127"/>
+                <a:ea typeface="KoPub돋움체 Medium" panose="02020603020101020101" pitchFamily="18" charset="-127"/>
+              </a:endParaRPr>
+            </a:p>
+          </p:txBody>
+        </p:sp>
+      </p:grpSp>
+    </p:spTree>
+    <p:extLst>
+      <p:ext uri="{BB962C8B-B14F-4D97-AF65-F5344CB8AC3E}">
+        <p14:creationId xmlns:p14="http://schemas.microsoft.com/office/powerpoint/2010/main" val="2238557897"/>
+      </p:ext>
+    </p:extLst>
+  </p:cSld>
+  <p:clrMapOvr>
+    <a:masterClrMapping/>
+  </p:clrMapOvr>
+</p:sld>
+</file>
+
 <file path=ppt/theme/theme1.xml><?xml version="1.0" encoding="utf-8"?>
 <a:theme xmlns:a="http://schemas.openxmlformats.org/drawingml/2006/main" name="Office 테마">
   <a:themeElements>

--- a/design.pptx
+++ b/design.pptx
@@ -309,7 +309,7 @@
             <a:fld id="{B431DB3D-C2BB-4DBE-9C63-7A3084D9948D}" type="datetimeFigureOut">
               <a:rPr lang="ko-KR" altLang="en-US" smtClean="0"/>
               <a:pPr/>
-              <a:t>2021-03-22</a:t>
+              <a:t>2021-03-28</a:t>
             </a:fld>
             <a:endParaRPr lang="ko-KR" altLang="en-US"/>
           </a:p>
@@ -474,7 +474,7 @@
             <a:fld id="{B431DB3D-C2BB-4DBE-9C63-7A3084D9948D}" type="datetimeFigureOut">
               <a:rPr lang="ko-KR" altLang="en-US" smtClean="0"/>
               <a:pPr/>
-              <a:t>2021-03-22</a:t>
+              <a:t>2021-03-28</a:t>
             </a:fld>
             <a:endParaRPr lang="ko-KR" altLang="en-US"/>
           </a:p>
@@ -649,7 +649,7 @@
             <a:fld id="{B431DB3D-C2BB-4DBE-9C63-7A3084D9948D}" type="datetimeFigureOut">
               <a:rPr lang="ko-KR" altLang="en-US" smtClean="0"/>
               <a:pPr/>
-              <a:t>2021-03-22</a:t>
+              <a:t>2021-03-28</a:t>
             </a:fld>
             <a:endParaRPr lang="ko-KR" altLang="en-US"/>
           </a:p>
@@ -814,7 +814,7 @@
             <a:fld id="{B431DB3D-C2BB-4DBE-9C63-7A3084D9948D}" type="datetimeFigureOut">
               <a:rPr lang="ko-KR" altLang="en-US" smtClean="0"/>
               <a:pPr/>
-              <a:t>2021-03-22</a:t>
+              <a:t>2021-03-28</a:t>
             </a:fld>
             <a:endParaRPr lang="ko-KR" altLang="en-US"/>
           </a:p>
@@ -1056,7 +1056,7 @@
             <a:fld id="{B431DB3D-C2BB-4DBE-9C63-7A3084D9948D}" type="datetimeFigureOut">
               <a:rPr lang="ko-KR" altLang="en-US" smtClean="0"/>
               <a:pPr/>
-              <a:t>2021-03-22</a:t>
+              <a:t>2021-03-28</a:t>
             </a:fld>
             <a:endParaRPr lang="ko-KR" altLang="en-US"/>
           </a:p>
@@ -1338,7 +1338,7 @@
             <a:fld id="{B431DB3D-C2BB-4DBE-9C63-7A3084D9948D}" type="datetimeFigureOut">
               <a:rPr lang="ko-KR" altLang="en-US" smtClean="0"/>
               <a:pPr/>
-              <a:t>2021-03-22</a:t>
+              <a:t>2021-03-28</a:t>
             </a:fld>
             <a:endParaRPr lang="ko-KR" altLang="en-US"/>
           </a:p>
@@ -1759,7 +1759,7 @@
             <a:fld id="{B431DB3D-C2BB-4DBE-9C63-7A3084D9948D}" type="datetimeFigureOut">
               <a:rPr lang="ko-KR" altLang="en-US" smtClean="0"/>
               <a:pPr/>
-              <a:t>2021-03-22</a:t>
+              <a:t>2021-03-28</a:t>
             </a:fld>
             <a:endParaRPr lang="ko-KR" altLang="en-US"/>
           </a:p>
@@ -1873,7 +1873,7 @@
             <a:fld id="{B431DB3D-C2BB-4DBE-9C63-7A3084D9948D}" type="datetimeFigureOut">
               <a:rPr lang="ko-KR" altLang="en-US" smtClean="0"/>
               <a:pPr/>
-              <a:t>2021-03-22</a:t>
+              <a:t>2021-03-28</a:t>
             </a:fld>
             <a:endParaRPr lang="ko-KR" altLang="en-US"/>
           </a:p>
@@ -1965,7 +1965,7 @@
             <a:fld id="{B431DB3D-C2BB-4DBE-9C63-7A3084D9948D}" type="datetimeFigureOut">
               <a:rPr lang="ko-KR" altLang="en-US" smtClean="0"/>
               <a:pPr/>
-              <a:t>2021-03-22</a:t>
+              <a:t>2021-03-28</a:t>
             </a:fld>
             <a:endParaRPr lang="ko-KR" altLang="en-US"/>
           </a:p>
@@ -2237,7 +2237,7 @@
             <a:fld id="{B431DB3D-C2BB-4DBE-9C63-7A3084D9948D}" type="datetimeFigureOut">
               <a:rPr lang="ko-KR" altLang="en-US" smtClean="0"/>
               <a:pPr/>
-              <a:t>2021-03-22</a:t>
+              <a:t>2021-03-28</a:t>
             </a:fld>
             <a:endParaRPr lang="ko-KR" altLang="en-US"/>
           </a:p>
@@ -2486,7 +2486,7 @@
             <a:fld id="{B431DB3D-C2BB-4DBE-9C63-7A3084D9948D}" type="datetimeFigureOut">
               <a:rPr lang="ko-KR" altLang="en-US" smtClean="0"/>
               <a:pPr/>
-              <a:t>2021-03-22</a:t>
+              <a:t>2021-03-28</a:t>
             </a:fld>
             <a:endParaRPr lang="ko-KR" altLang="en-US"/>
           </a:p>
@@ -2694,7 +2694,7 @@
             <a:fld id="{B431DB3D-C2BB-4DBE-9C63-7A3084D9948D}" type="datetimeFigureOut">
               <a:rPr lang="ko-KR" altLang="en-US" smtClean="0"/>
               <a:pPr/>
-              <a:t>2021-03-22</a:t>
+              <a:t>2021-03-28</a:t>
             </a:fld>
             <a:endParaRPr lang="ko-KR" altLang="en-US"/>
           </a:p>
@@ -14466,6 +14466,89 @@
           </a:p>
         </p:txBody>
       </p:sp>
+      <p:sp>
+        <p:nvSpPr>
+          <p:cNvPr id="12" name="직사각형 11">
+            <a:extLst>
+              <a:ext uri="{FF2B5EF4-FFF2-40B4-BE49-F238E27FC236}">
+                <a16:creationId xmlns:a16="http://schemas.microsoft.com/office/drawing/2014/main" id="{5C4E9833-B2E0-47E7-B4B4-18753D8F2F93}"/>
+              </a:ext>
+            </a:extLst>
+          </p:cNvPr>
+          <p:cNvSpPr/>
+          <p:nvPr/>
+        </p:nvSpPr>
+        <p:spPr>
+          <a:xfrm>
+            <a:off x="2663877" y="265136"/>
+            <a:ext cx="504056" cy="504056"/>
+          </a:xfrm>
+          <a:prstGeom prst="rect">
+            <a:avLst/>
+          </a:prstGeom>
+          <a:solidFill>
+            <a:schemeClr val="accent5">
+              <a:lumMod val="20000"/>
+              <a:lumOff val="80000"/>
+              <a:alpha val="75000"/>
+            </a:schemeClr>
+          </a:solidFill>
+          <a:ln>
+            <a:noFill/>
+          </a:ln>
+          <a:scene3d>
+            <a:camera prst="orthographicFront"/>
+            <a:lightRig rig="threePt" dir="t"/>
+          </a:scene3d>
+          <a:sp3d>
+            <a:bevelT prst="relaxedInset"/>
+          </a:sp3d>
+        </p:spPr>
+        <p:style>
+          <a:lnRef idx="2">
+            <a:schemeClr val="accent1">
+              <a:shade val="50000"/>
+            </a:schemeClr>
+          </a:lnRef>
+          <a:fillRef idx="1">
+            <a:schemeClr val="accent1"/>
+          </a:fillRef>
+          <a:effectRef idx="0">
+            <a:schemeClr val="accent1"/>
+          </a:effectRef>
+          <a:fontRef idx="minor">
+            <a:schemeClr val="lt1"/>
+          </a:fontRef>
+        </p:style>
+        <p:txBody>
+          <a:bodyPr rtlCol="0" anchor="ctr"/>
+          <a:lstStyle/>
+          <a:p>
+            <a:pPr algn="ctr"/>
+            <a:r>
+              <a:rPr lang="ko-KR" altLang="en-US" b="1" dirty="0">
+                <a:ln w="6600">
+                  <a:solidFill>
+                    <a:schemeClr val="accent2"/>
+                  </a:solidFill>
+                  <a:prstDash val="solid"/>
+                </a:ln>
+                <a:solidFill>
+                  <a:srgbClr val="FFFFFF"/>
+                </a:solidFill>
+                <a:effectLst>
+                  <a:outerShdw dist="38100" dir="2700000" algn="tl" rotWithShape="0">
+                    <a:schemeClr val="accent2"/>
+                  </a:outerShdw>
+                </a:effectLst>
+                <a:latin typeface="1훈떡볶이 R" panose="02020603020101020101" pitchFamily="18" charset="-127"/>
+                <a:ea typeface="1훈떡볶이 R" panose="02020603020101020101" pitchFamily="18" charset="-127"/>
+              </a:rPr>
+              <a:t>대량추가</a:t>
+            </a:r>
+          </a:p>
+        </p:txBody>
+      </p:sp>
     </p:spTree>
   </p:cSld>
   <p:clrMapOvr>
@@ -15102,6 +15185,89 @@
                 <a:ea typeface="휴먼모음T" panose="02030504000101010101" pitchFamily="18" charset="-127"/>
               </a:rPr>
               <a:t>취소</a:t>
+            </a:r>
+          </a:p>
+        </p:txBody>
+      </p:sp>
+      <p:sp>
+        <p:nvSpPr>
+          <p:cNvPr id="12" name="직사각형 11">
+            <a:extLst>
+              <a:ext uri="{FF2B5EF4-FFF2-40B4-BE49-F238E27FC236}">
+                <a16:creationId xmlns:a16="http://schemas.microsoft.com/office/drawing/2014/main" id="{00EBFD0E-668F-4388-BC81-2C054F1E3CE2}"/>
+              </a:ext>
+            </a:extLst>
+          </p:cNvPr>
+          <p:cNvSpPr/>
+          <p:nvPr/>
+        </p:nvSpPr>
+        <p:spPr>
+          <a:xfrm>
+            <a:off x="2816717" y="294051"/>
+            <a:ext cx="504056" cy="504056"/>
+          </a:xfrm>
+          <a:prstGeom prst="rect">
+            <a:avLst/>
+          </a:prstGeom>
+          <a:solidFill>
+            <a:schemeClr val="accent5">
+              <a:lumMod val="20000"/>
+              <a:lumOff val="80000"/>
+              <a:alpha val="75000"/>
+            </a:schemeClr>
+          </a:solidFill>
+          <a:ln>
+            <a:noFill/>
+          </a:ln>
+          <a:scene3d>
+            <a:camera prst="orthographicFront"/>
+            <a:lightRig rig="threePt" dir="t"/>
+          </a:scene3d>
+          <a:sp3d>
+            <a:bevelT prst="relaxedInset"/>
+          </a:sp3d>
+        </p:spPr>
+        <p:style>
+          <a:lnRef idx="2">
+            <a:schemeClr val="accent1">
+              <a:shade val="50000"/>
+            </a:schemeClr>
+          </a:lnRef>
+          <a:fillRef idx="1">
+            <a:schemeClr val="accent1"/>
+          </a:fillRef>
+          <a:effectRef idx="0">
+            <a:schemeClr val="accent1"/>
+          </a:effectRef>
+          <a:fontRef idx="minor">
+            <a:schemeClr val="lt1"/>
+          </a:fontRef>
+        </p:style>
+        <p:txBody>
+          <a:bodyPr rtlCol="0" anchor="ctr"/>
+          <a:lstStyle/>
+          <a:p>
+            <a:pPr algn="ctr"/>
+            <a:r>
+              <a:rPr lang="ko-KR" altLang="en-US" b="1" dirty="0">
+                <a:ln w="6600">
+                  <a:solidFill>
+                    <a:schemeClr val="accent2"/>
+                  </a:solidFill>
+                  <a:prstDash val="solid"/>
+                </a:ln>
+                <a:solidFill>
+                  <a:srgbClr val="FFFFFF"/>
+                </a:solidFill>
+                <a:effectLst>
+                  <a:outerShdw dist="38100" dir="2700000" algn="tl" rotWithShape="0">
+                    <a:schemeClr val="accent2"/>
+                  </a:outerShdw>
+                </a:effectLst>
+                <a:latin typeface="1훈떡볶이 R" panose="02020603020101020101" pitchFamily="18" charset="-127"/>
+                <a:ea typeface="1훈떡볶이 R" panose="02020603020101020101" pitchFamily="18" charset="-127"/>
+              </a:rPr>
+              <a:t>대량추가</a:t>
             </a:r>
           </a:p>
         </p:txBody>
@@ -16021,7 +16187,7 @@
           <a:p>
             <a:pPr algn="ctr"/>
             <a:r>
-              <a:rPr lang="ko-KR" altLang="en-US" b="1">
+              <a:rPr lang="ko-KR" altLang="en-US" b="1" dirty="0">
                 <a:ln w="6600">
                   <a:solidFill>
                     <a:schemeClr val="accent2"/>
@@ -16041,24 +16207,6 @@
               </a:rPr>
               <a:t>순서 변경</a:t>
             </a:r>
-            <a:endParaRPr lang="ko-KR" altLang="en-US" b="1" dirty="0">
-              <a:ln w="6600">
-                <a:solidFill>
-                  <a:schemeClr val="accent2"/>
-                </a:solidFill>
-                <a:prstDash val="solid"/>
-              </a:ln>
-              <a:solidFill>
-                <a:srgbClr val="FFFFFF"/>
-              </a:solidFill>
-              <a:effectLst>
-                <a:outerShdw dist="38100" dir="2700000" algn="tl" rotWithShape="0">
-                  <a:schemeClr val="accent2"/>
-                </a:outerShdw>
-              </a:effectLst>
-              <a:latin typeface="1훈떡볶이 R" panose="02020603020101020101" pitchFamily="18" charset="-127"/>
-              <a:ea typeface="1훈떡볶이 R" panose="02020603020101020101" pitchFamily="18" charset="-127"/>
-            </a:endParaRPr>
           </a:p>
         </p:txBody>
       </p:sp>
@@ -16917,6 +17065,89 @@
           </a:p>
         </p:txBody>
       </p:sp>
+      <p:sp>
+        <p:nvSpPr>
+          <p:cNvPr id="15" name="직사각형 14">
+            <a:extLst>
+              <a:ext uri="{FF2B5EF4-FFF2-40B4-BE49-F238E27FC236}">
+                <a16:creationId xmlns:a16="http://schemas.microsoft.com/office/drawing/2014/main" id="{382C1DFE-5216-4849-B43B-EE6828E8D5B7}"/>
+              </a:ext>
+            </a:extLst>
+          </p:cNvPr>
+          <p:cNvSpPr/>
+          <p:nvPr/>
+        </p:nvSpPr>
+        <p:spPr>
+          <a:xfrm>
+            <a:off x="3450668" y="360239"/>
+            <a:ext cx="504056" cy="504056"/>
+          </a:xfrm>
+          <a:prstGeom prst="rect">
+            <a:avLst/>
+          </a:prstGeom>
+          <a:solidFill>
+            <a:schemeClr val="accent5">
+              <a:lumMod val="20000"/>
+              <a:lumOff val="80000"/>
+              <a:alpha val="75000"/>
+            </a:schemeClr>
+          </a:solidFill>
+          <a:ln>
+            <a:noFill/>
+          </a:ln>
+          <a:scene3d>
+            <a:camera prst="orthographicFront"/>
+            <a:lightRig rig="threePt" dir="t"/>
+          </a:scene3d>
+          <a:sp3d>
+            <a:bevelT prst="relaxedInset"/>
+          </a:sp3d>
+        </p:spPr>
+        <p:style>
+          <a:lnRef idx="2">
+            <a:schemeClr val="accent1">
+              <a:shade val="50000"/>
+            </a:schemeClr>
+          </a:lnRef>
+          <a:fillRef idx="1">
+            <a:schemeClr val="accent1"/>
+          </a:fillRef>
+          <a:effectRef idx="0">
+            <a:schemeClr val="accent1"/>
+          </a:effectRef>
+          <a:fontRef idx="minor">
+            <a:schemeClr val="lt1"/>
+          </a:fontRef>
+        </p:style>
+        <p:txBody>
+          <a:bodyPr rtlCol="0" anchor="ctr"/>
+          <a:lstStyle/>
+          <a:p>
+            <a:pPr algn="ctr"/>
+            <a:r>
+              <a:rPr lang="ko-KR" altLang="en-US" b="1" dirty="0">
+                <a:ln w="6600">
+                  <a:solidFill>
+                    <a:schemeClr val="accent2"/>
+                  </a:solidFill>
+                  <a:prstDash val="solid"/>
+                </a:ln>
+                <a:solidFill>
+                  <a:srgbClr val="FFFFFF"/>
+                </a:solidFill>
+                <a:effectLst>
+                  <a:outerShdw dist="38100" dir="2700000" algn="tl" rotWithShape="0">
+                    <a:schemeClr val="accent2"/>
+                  </a:outerShdw>
+                </a:effectLst>
+                <a:latin typeface="1훈떡볶이 R" panose="02020603020101020101" pitchFamily="18" charset="-127"/>
+                <a:ea typeface="1훈떡볶이 R" panose="02020603020101020101" pitchFamily="18" charset="-127"/>
+              </a:rPr>
+              <a:t>순서 변경</a:t>
+            </a:r>
+          </a:p>
+        </p:txBody>
+      </p:sp>
     </p:spTree>
     <p:extLst>
       <p:ext uri="{BB962C8B-B14F-4D97-AF65-F5344CB8AC3E}">
